--- a/presentations/frankfurt_july_2019 day2.pptx
+++ b/presentations/frankfurt_july_2019 day2.pptx
@@ -5,7 +5,7 @@
     <p:sldMasterId id="2147483648" r:id="rId1"/>
   </p:sldMasterIdLst>
   <p:notesMasterIdLst>
-    <p:notesMasterId r:id="rId17"/>
+    <p:notesMasterId r:id="rId19"/>
   </p:notesMasterIdLst>
   <p:sldIdLst>
     <p:sldId id="354" r:id="rId2"/>
@@ -14,15 +14,17 @@
     <p:sldId id="385" r:id="rId5"/>
     <p:sldId id="386" r:id="rId6"/>
     <p:sldId id="387" r:id="rId7"/>
-    <p:sldId id="388" r:id="rId8"/>
-    <p:sldId id="283" r:id="rId9"/>
-    <p:sldId id="352" r:id="rId10"/>
-    <p:sldId id="348" r:id="rId11"/>
-    <p:sldId id="284" r:id="rId12"/>
-    <p:sldId id="306" r:id="rId13"/>
-    <p:sldId id="389" r:id="rId14"/>
-    <p:sldId id="362" r:id="rId15"/>
-    <p:sldId id="363" r:id="rId16"/>
+    <p:sldId id="390" r:id="rId8"/>
+    <p:sldId id="388" r:id="rId9"/>
+    <p:sldId id="283" r:id="rId10"/>
+    <p:sldId id="352" r:id="rId11"/>
+    <p:sldId id="348" r:id="rId12"/>
+    <p:sldId id="284" r:id="rId13"/>
+    <p:sldId id="306" r:id="rId14"/>
+    <p:sldId id="389" r:id="rId15"/>
+    <p:sldId id="362" r:id="rId16"/>
+    <p:sldId id="363" r:id="rId17"/>
+    <p:sldId id="391" r:id="rId18"/>
   </p:sldIdLst>
   <p:sldSz cx="12192000" cy="6858000"/>
   <p:notesSz cx="6858000" cy="9144000"/>
@@ -544,7 +546,7 @@
           <a:p>
             <a:fld id="{CD40DAC1-562A-E942-9290-ED2D37D14EF4}" type="slidenum">
               <a:rPr lang="en-US" smtClean="0"/>
-              <a:t>9</a:t>
+              <a:t>10</a:t>
             </a:fld>
             <a:endParaRPr lang="en-US"/>
           </a:p>
@@ -4269,129 +4271,112 @@
           <a:p>
             <a:r>
               <a:rPr lang="en-US" dirty="0" smtClean="0"/>
-              <a:t>Field form(s) on a template</a:t>
-            </a:r>
-            <a:endParaRPr lang="en-US" dirty="0"/>
-          </a:p>
-        </p:txBody>
-      </p:sp>
-      <p:sp>
-        <p:nvSpPr>
-          <p:cNvPr id="3" name="Content Placeholder 2"/>
-          <p:cNvSpPr>
-            <a:spLocks noGrp="1"/>
-          </p:cNvSpPr>
-          <p:nvPr>
-            <p:ph idx="1"/>
-          </p:nvPr>
-        </p:nvSpPr>
-        <p:spPr/>
-        <p:txBody>
-          <a:bodyPr>
-            <a:normAutofit fontScale="92500" lnSpcReduction="20000"/>
-          </a:bodyPr>
-          <a:lstStyle/>
-          <a:p>
-            <a:pPr marL="301625" indent="0" algn="ctr">
-              <a:buNone/>
-            </a:pPr>
-            <a:r>
-              <a:rPr lang="en-US" sz="2400" dirty="0">
-                <a:latin typeface="Courier" charset="0"/>
-                <a:ea typeface="Courier" charset="0"/>
-                <a:cs typeface="Courier" charset="0"/>
-              </a:rPr>
-              <a:t>{% </a:t>
-            </a:r>
-            <a:r>
-              <a:rPr lang="en-US" sz="2400" dirty="0" err="1" smtClean="0">
-                <a:latin typeface="Courier" charset="0"/>
-                <a:ea typeface="Courier" charset="0"/>
-                <a:cs typeface="Courier" charset="0"/>
-              </a:rPr>
-              <a:t>fieldform</a:t>
-            </a:r>
-            <a:r>
-              <a:rPr lang="en-US" sz="2400" dirty="0" smtClean="0">
-                <a:latin typeface="Courier" charset="0"/>
-                <a:ea typeface="Courier" charset="0"/>
-                <a:cs typeface="Courier" charset="0"/>
-              </a:rPr>
-              <a:t> </a:t>
-            </a:r>
-            <a:r>
-              <a:rPr lang="en-US" sz="2400" dirty="0" err="1" smtClean="0">
-                <a:latin typeface="Courier" charset="0"/>
-                <a:ea typeface="Courier" charset="0"/>
-                <a:cs typeface="Courier" charset="0"/>
-              </a:rPr>
-              <a:t>player.my_field</a:t>
-            </a:r>
-            <a:r>
-              <a:rPr lang="en-US" sz="2400" dirty="0">
-                <a:latin typeface="Courier" charset="0"/>
-                <a:ea typeface="Courier" charset="0"/>
-                <a:cs typeface="Courier" charset="0"/>
-              </a:rPr>
-              <a:t> </a:t>
-            </a:r>
-            <a:r>
-              <a:rPr lang="en-US" sz="2400" dirty="0" smtClean="0">
-                <a:latin typeface="Courier" charset="0"/>
-                <a:ea typeface="Courier" charset="0"/>
-                <a:cs typeface="Courier" charset="0"/>
-              </a:rPr>
-              <a:t>label= ‘Enter something’ %} </a:t>
-            </a:r>
-            <a:endParaRPr lang="en-US" dirty="0" smtClean="0">
-              <a:latin typeface="Helvetica Neue Thin" charset="0"/>
-              <a:ea typeface="Helvetica Neue Thin" charset="0"/>
-              <a:cs typeface="Helvetica Neue Thin" charset="0"/>
-            </a:endParaRPr>
-          </a:p>
-          <a:p>
-            <a:pPr marL="301625" indent="0" algn="ctr">
-              <a:buNone/>
-            </a:pPr>
-            <a:r>
-              <a:rPr lang="en-US" sz="3600" b="1" dirty="0" smtClean="0">
-                <a:solidFill>
-                  <a:srgbClr val="FF0000"/>
-                </a:solidFill>
-                <a:latin typeface="Helvetica Neue Thin" charset="0"/>
-                <a:ea typeface="Helvetica Neue Thin" charset="0"/>
-                <a:cs typeface="Helvetica Neue Thin" charset="0"/>
-              </a:rPr>
-              <a:t>OR:</a:t>
-            </a:r>
-            <a:r>
-              <a:rPr lang="en-US" sz="3600" dirty="0" smtClean="0">
-                <a:latin typeface="Helvetica Neue Thin" charset="0"/>
-                <a:ea typeface="Helvetica Neue Thin" charset="0"/>
-                <a:cs typeface="Helvetica Neue Thin" charset="0"/>
-              </a:rPr>
-              <a:t> </a:t>
-            </a:r>
-          </a:p>
-          <a:p>
-            <a:pPr marL="2984500" indent="0">
-              <a:buNone/>
-            </a:pPr>
+              <a:t>Anatomy of an oTree </a:t>
+            </a:r>
             <a:r>
               <a:rPr lang="en-US" dirty="0" smtClean="0">
                 <a:latin typeface="Courier" charset="0"/>
                 <a:ea typeface="Courier" charset="0"/>
                 <a:cs typeface="Courier" charset="0"/>
               </a:rPr>
-              <a:t>{% </a:t>
-            </a:r>
+              <a:t>Page</a:t>
+            </a:r>
+            <a:endParaRPr lang="en-US" dirty="0">
+              <a:latin typeface="Courier" charset="0"/>
+              <a:ea typeface="Courier" charset="0"/>
+              <a:cs typeface="Courier" charset="0"/>
+            </a:endParaRPr>
+          </a:p>
+        </p:txBody>
+      </p:sp>
+      <p:sp>
+        <p:nvSpPr>
+          <p:cNvPr id="3" name="Content Placeholder 2"/>
+          <p:cNvSpPr>
+            <a:spLocks noGrp="1"/>
+          </p:cNvSpPr>
+          <p:nvPr>
+            <p:ph idx="1"/>
+          </p:nvPr>
+        </p:nvSpPr>
+        <p:spPr/>
+        <p:txBody>
+          <a:bodyPr>
+            <a:normAutofit/>
+          </a:bodyPr>
+          <a:lstStyle/>
+          <a:p>
+            <a:pPr marL="0" lvl="0" indent="0">
+              <a:buNone/>
+            </a:pPr>
+            <a:r>
+              <a:rPr lang="en-US" dirty="0" smtClean="0">
+                <a:latin typeface="Courier" charset="0"/>
+                <a:ea typeface="Courier" charset="0"/>
+                <a:cs typeface="Courier" charset="0"/>
+              </a:rPr>
+              <a:t>class </a:t>
+            </a:r>
+            <a:r>
+              <a:rPr lang="en-US" dirty="0" err="1" smtClean="0">
+                <a:latin typeface="Courier" charset="0"/>
+                <a:ea typeface="Courier" charset="0"/>
+                <a:cs typeface="Courier" charset="0"/>
+              </a:rPr>
+              <a:t>MyPage</a:t>
+            </a:r>
+            <a:r>
+              <a:rPr lang="en-US" dirty="0" smtClean="0">
+                <a:latin typeface="Courier" charset="0"/>
+                <a:ea typeface="Courier" charset="0"/>
+                <a:cs typeface="Courier" charset="0"/>
+              </a:rPr>
+              <a:t>(Page):</a:t>
+            </a:r>
+          </a:p>
+          <a:p>
+            <a:pPr marL="0" lvl="0" indent="0">
+              <a:buNone/>
+            </a:pPr>
             <a:r>
               <a:rPr lang="en-US" dirty="0">
                 <a:latin typeface="Courier" charset="0"/>
                 <a:ea typeface="Courier" charset="0"/>
                 <a:cs typeface="Courier" charset="0"/>
               </a:rPr>
-              <a:t>for field in form %} </a:t>
+              <a:t> </a:t>
+            </a:r>
+            <a:r>
+              <a:rPr lang="en-US" dirty="0" smtClean="0">
+                <a:latin typeface="Courier" charset="0"/>
+                <a:ea typeface="Courier" charset="0"/>
+                <a:cs typeface="Courier" charset="0"/>
+              </a:rPr>
+              <a:t>  </a:t>
+            </a:r>
+            <a:r>
+              <a:rPr lang="en-US" dirty="0" err="1" smtClean="0">
+                <a:latin typeface="Courier" charset="0"/>
+                <a:ea typeface="Courier" charset="0"/>
+                <a:cs typeface="Courier" charset="0"/>
+              </a:rPr>
+              <a:t>form_model</a:t>
+            </a:r>
+            <a:r>
+              <a:rPr lang="en-US" dirty="0" smtClean="0">
+                <a:latin typeface="Courier" charset="0"/>
+                <a:ea typeface="Courier" charset="0"/>
+                <a:cs typeface="Courier" charset="0"/>
+              </a:rPr>
+              <a:t> = 'player</a:t>
+            </a:r>
+            <a:r>
+              <a:rPr lang="en-US" dirty="0">
+                <a:latin typeface="Courier" charset="0"/>
+                <a:ea typeface="Courier" charset="0"/>
+                <a:cs typeface="Courier" charset="0"/>
+              </a:rPr>
+              <a:t>'</a:t>
             </a:r>
             <a:endParaRPr lang="en-US" dirty="0" smtClean="0">
               <a:latin typeface="Courier" charset="0"/>
@@ -4400,24 +4385,48 @@
             </a:endParaRPr>
           </a:p>
           <a:p>
-            <a:pPr marL="2984500" lvl="1" indent="0">
+            <a:pPr marL="0" lvl="0" indent="0">
               <a:buNone/>
             </a:pPr>
+            <a:r>
+              <a:rPr lang="en-US" dirty="0">
+                <a:latin typeface="Courier" charset="0"/>
+                <a:ea typeface="Courier" charset="0"/>
+                <a:cs typeface="Courier" charset="0"/>
+              </a:rPr>
+              <a:t> </a:t>
+            </a:r>
             <a:r>
               <a:rPr lang="en-US" dirty="0" smtClean="0">
                 <a:latin typeface="Courier" charset="0"/>
                 <a:ea typeface="Courier" charset="0"/>
                 <a:cs typeface="Courier" charset="0"/>
               </a:rPr>
-              <a:t>		{% </a:t>
-            </a:r>
-            <a:r>
-              <a:rPr lang="en-US" dirty="0" err="1">
+              <a:t>  </a:t>
+            </a:r>
+            <a:r>
+              <a:rPr lang="en-US" dirty="0" err="1" smtClean="0">
                 <a:latin typeface="Courier" charset="0"/>
                 <a:ea typeface="Courier" charset="0"/>
                 <a:cs typeface="Courier" charset="0"/>
               </a:rPr>
-              <a:t>formfield</a:t>
+              <a:t>form_fields</a:t>
+            </a:r>
+            <a:r>
+              <a:rPr lang="en-US" dirty="0" smtClean="0">
+                <a:latin typeface="Courier" charset="0"/>
+                <a:ea typeface="Courier" charset="0"/>
+                <a:cs typeface="Courier" charset="0"/>
+              </a:rPr>
+              <a:t> = ['</a:t>
+            </a:r>
+            <a:r>
+              <a:rPr lang="en-US" dirty="0" err="1" smtClean="0">
+                <a:latin typeface="Courier" charset="0"/>
+                <a:ea typeface="Courier" charset="0"/>
+                <a:cs typeface="Courier" charset="0"/>
+              </a:rPr>
+              <a:t>my_field</a:t>
             </a:r>
             <a:r>
               <a:rPr lang="en-US" dirty="0">
@@ -4425,7 +4434,15 @@
                 <a:ea typeface="Courier" charset="0"/>
                 <a:cs typeface="Courier" charset="0"/>
               </a:rPr>
-              <a:t> field %} </a:t>
+              <a:t>'</a:t>
+            </a:r>
+            <a:r>
+              <a:rPr lang="en-US" smtClean="0">
+                <a:latin typeface="Courier" charset="0"/>
+                <a:ea typeface="Courier" charset="0"/>
+                <a:cs typeface="Courier" charset="0"/>
+              </a:rPr>
+              <a:t>]</a:t>
             </a:r>
             <a:endParaRPr lang="en-US" dirty="0" smtClean="0">
               <a:latin typeface="Courier" charset="0"/>
@@ -4434,86 +4451,9 @@
             </a:endParaRPr>
           </a:p>
           <a:p>
-            <a:pPr marL="2984500" indent="0">
+            <a:pPr marL="0" lvl="0" indent="0">
               <a:buNone/>
             </a:pPr>
-            <a:r>
-              <a:rPr lang="en-US" dirty="0" smtClean="0">
-                <a:latin typeface="Courier" charset="0"/>
-                <a:ea typeface="Courier" charset="0"/>
-                <a:cs typeface="Courier" charset="0"/>
-              </a:rPr>
-              <a:t>{% </a:t>
-            </a:r>
-            <a:r>
-              <a:rPr lang="en-US" dirty="0" err="1">
-                <a:latin typeface="Courier" charset="0"/>
-                <a:ea typeface="Courier" charset="0"/>
-                <a:cs typeface="Courier" charset="0"/>
-              </a:rPr>
-              <a:t>endfor</a:t>
-            </a:r>
-            <a:r>
-              <a:rPr lang="en-US" dirty="0">
-                <a:latin typeface="Courier" charset="0"/>
-                <a:ea typeface="Courier" charset="0"/>
-                <a:cs typeface="Courier" charset="0"/>
-              </a:rPr>
-              <a:t> </a:t>
-            </a:r>
-            <a:r>
-              <a:rPr lang="en-US" dirty="0" smtClean="0">
-                <a:latin typeface="Courier" charset="0"/>
-                <a:ea typeface="Courier" charset="0"/>
-                <a:cs typeface="Courier" charset="0"/>
-              </a:rPr>
-              <a:t>%}</a:t>
-            </a:r>
-          </a:p>
-          <a:p>
-            <a:pPr marL="301625" indent="0" algn="ctr">
-              <a:buNone/>
-            </a:pPr>
-            <a:r>
-              <a:rPr lang="en-US" sz="3600" b="1" dirty="0">
-                <a:solidFill>
-                  <a:srgbClr val="FF0000"/>
-                </a:solidFill>
-                <a:latin typeface="Helvetica Neue Thin" charset="0"/>
-                <a:ea typeface="Helvetica Neue Thin" charset="0"/>
-                <a:cs typeface="Helvetica Neue Thin" charset="0"/>
-              </a:rPr>
-              <a:t>OR: </a:t>
-            </a:r>
-          </a:p>
-          <a:p>
-            <a:pPr marL="15875" indent="0" algn="ctr">
-              <a:buNone/>
-            </a:pPr>
-            <a:r>
-              <a:rPr lang="en-US" dirty="0" smtClean="0">
-                <a:latin typeface="Courier" charset="0"/>
-                <a:ea typeface="Courier" charset="0"/>
-                <a:cs typeface="Courier" charset="0"/>
-              </a:rPr>
-              <a:t>{% </a:t>
-            </a:r>
-            <a:r>
-              <a:rPr lang="en-US" dirty="0" err="1" smtClean="0">
-                <a:latin typeface="Courier" charset="0"/>
-                <a:ea typeface="Courier" charset="0"/>
-                <a:cs typeface="Courier" charset="0"/>
-              </a:rPr>
-              <a:t>formfields</a:t>
-            </a:r>
-            <a:r>
-              <a:rPr lang="en-US" dirty="0" smtClean="0">
-                <a:latin typeface="Courier" charset="0"/>
-                <a:ea typeface="Courier" charset="0"/>
-                <a:cs typeface="Courier" charset="0"/>
-              </a:rPr>
-              <a:t> %}</a:t>
-            </a:r>
             <a:endParaRPr lang="en-US" dirty="0">
               <a:latin typeface="Courier" charset="0"/>
               <a:ea typeface="Courier" charset="0"/>
@@ -4521,42 +4461,40 @@
             </a:endParaRPr>
           </a:p>
           <a:p>
-            <a:pPr marL="2984500" indent="0">
+            <a:pPr marL="0" lvl="0" indent="0">
               <a:buNone/>
             </a:pPr>
-            <a:endParaRPr lang="en-US" dirty="0" smtClean="0">
-              <a:latin typeface="Courier" charset="0"/>
-              <a:ea typeface="Courier" charset="0"/>
-              <a:cs typeface="Courier" charset="0"/>
-            </a:endParaRPr>
-          </a:p>
-          <a:p>
-            <a:pPr marL="301625" indent="0" algn="ctr">
-              <a:buNone/>
-            </a:pPr>
-            <a:r>
-              <a:rPr lang="en-US" sz="3600" b="1" dirty="0">
-                <a:solidFill>
-                  <a:srgbClr val="FF0000"/>
-                </a:solidFill>
-                <a:latin typeface="Helvetica Neue Thin" charset="0"/>
-                <a:ea typeface="Helvetica Neue Thin" charset="0"/>
-                <a:cs typeface="Helvetica Neue Thin" charset="0"/>
-              </a:rPr>
-              <a:t>OR: </a:t>
-            </a:r>
-          </a:p>
-          <a:p>
-            <a:pPr marL="15875" indent="0" algn="ctr">
-              <a:buNone/>
-            </a:pPr>
+            <a:r>
+              <a:rPr lang="en-US" dirty="0" err="1" smtClean="0">
+                <a:latin typeface="Courier" charset="0"/>
+                <a:ea typeface="Courier" charset="0"/>
+                <a:cs typeface="Courier" charset="0"/>
+              </a:rPr>
+              <a:t>page_sequence</a:t>
+            </a:r>
             <a:r>
               <a:rPr lang="en-US" dirty="0" smtClean="0">
                 <a:latin typeface="Courier" charset="0"/>
                 <a:ea typeface="Courier" charset="0"/>
                 <a:cs typeface="Courier" charset="0"/>
               </a:rPr>
-              <a:t>{{ form }}</a:t>
+              <a:t> = [</a:t>
+            </a:r>
+            <a:r>
+              <a:rPr lang="en-US" dirty="0" err="1" smtClean="0">
+                <a:latin typeface="Courier" charset="0"/>
+                <a:ea typeface="Courier" charset="0"/>
+                <a:cs typeface="Courier" charset="0"/>
+              </a:rPr>
+              <a:t>MyPage</a:t>
+            </a:r>
+            <a:r>
+              <a:rPr lang="en-US" dirty="0" smtClean="0">
+                <a:latin typeface="Courier" charset="0"/>
+                <a:ea typeface="Courier" charset="0"/>
+                <a:cs typeface="Courier" charset="0"/>
+              </a:rPr>
+              <a:t>]</a:t>
             </a:r>
           </a:p>
         </p:txBody>
@@ -4564,7 +4502,7 @@
     </p:spTree>
     <p:extLst>
       <p:ext uri="{BB962C8B-B14F-4D97-AF65-F5344CB8AC3E}">
-        <p14:creationId xmlns:p14="http://schemas.microsoft.com/office/powerpoint/2010/main" val="100886266"/>
+        <p14:creationId xmlns:p14="http://schemas.microsoft.com/office/powerpoint/2010/main" val="867566026"/>
       </p:ext>
     </p:extLst>
   </p:cSld>
@@ -4614,135 +4552,303 @@
           <a:lstStyle/>
           <a:p>
             <a:r>
-              <a:rPr lang="en-US" smtClean="0"/>
-              <a:t>Methods of an oTree </a:t>
-            </a:r>
-            <a:r>
-              <a:rPr lang="en-US" smtClean="0">
+              <a:rPr lang="en-US" dirty="0" smtClean="0"/>
+              <a:t>Field form(s) on a template</a:t>
+            </a:r>
+            <a:endParaRPr lang="en-US" dirty="0"/>
+          </a:p>
+        </p:txBody>
+      </p:sp>
+      <p:sp>
+        <p:nvSpPr>
+          <p:cNvPr id="3" name="Content Placeholder 2"/>
+          <p:cNvSpPr>
+            <a:spLocks noGrp="1"/>
+          </p:cNvSpPr>
+          <p:nvPr>
+            <p:ph idx="1"/>
+          </p:nvPr>
+        </p:nvSpPr>
+        <p:spPr/>
+        <p:txBody>
+          <a:bodyPr>
+            <a:normAutofit fontScale="92500" lnSpcReduction="20000"/>
+          </a:bodyPr>
+          <a:lstStyle/>
+          <a:p>
+            <a:pPr marL="301625" indent="0" algn="ctr">
+              <a:buNone/>
+            </a:pPr>
+            <a:r>
+              <a:rPr lang="en-US" sz="2400" dirty="0">
                 <a:latin typeface="Courier" charset="0"/>
                 <a:ea typeface="Courier" charset="0"/>
                 <a:cs typeface="Courier" charset="0"/>
               </a:rPr>
-              <a:t>Page</a:t>
-            </a:r>
-            <a:endParaRPr lang="en-US">
+              <a:t>{% </a:t>
+            </a:r>
+            <a:r>
+              <a:rPr lang="en-US" sz="2400" dirty="0" err="1" smtClean="0">
+                <a:latin typeface="Courier" charset="0"/>
+                <a:ea typeface="Courier" charset="0"/>
+                <a:cs typeface="Courier" charset="0"/>
+              </a:rPr>
+              <a:t>fieldform</a:t>
+            </a:r>
+            <a:r>
+              <a:rPr lang="en-US" sz="2400" dirty="0" smtClean="0">
+                <a:latin typeface="Courier" charset="0"/>
+                <a:ea typeface="Courier" charset="0"/>
+                <a:cs typeface="Courier" charset="0"/>
+              </a:rPr>
+              <a:t> </a:t>
+            </a:r>
+            <a:r>
+              <a:rPr lang="en-US" sz="2400" dirty="0" err="1" smtClean="0">
+                <a:latin typeface="Courier" charset="0"/>
+                <a:ea typeface="Courier" charset="0"/>
+                <a:cs typeface="Courier" charset="0"/>
+              </a:rPr>
+              <a:t>player.my_field</a:t>
+            </a:r>
+            <a:r>
+              <a:rPr lang="en-US" sz="2400" dirty="0">
+                <a:latin typeface="Courier" charset="0"/>
+                <a:ea typeface="Courier" charset="0"/>
+                <a:cs typeface="Courier" charset="0"/>
+              </a:rPr>
+              <a:t> </a:t>
+            </a:r>
+            <a:r>
+              <a:rPr lang="en-US" sz="2400" dirty="0" smtClean="0">
+                <a:latin typeface="Courier" charset="0"/>
+                <a:ea typeface="Courier" charset="0"/>
+                <a:cs typeface="Courier" charset="0"/>
+              </a:rPr>
+              <a:t>label= ‘Enter something’ %} </a:t>
+            </a:r>
+            <a:endParaRPr lang="en-US" dirty="0" smtClean="0">
+              <a:latin typeface="Helvetica Neue Thin" charset="0"/>
+              <a:ea typeface="Helvetica Neue Thin" charset="0"/>
+              <a:cs typeface="Helvetica Neue Thin" charset="0"/>
+            </a:endParaRPr>
+          </a:p>
+          <a:p>
+            <a:pPr marL="301625" indent="0" algn="ctr">
+              <a:buNone/>
+            </a:pPr>
+            <a:r>
+              <a:rPr lang="en-US" sz="3600" b="1" dirty="0" smtClean="0">
+                <a:solidFill>
+                  <a:srgbClr val="FF0000"/>
+                </a:solidFill>
+                <a:latin typeface="Helvetica Neue Thin" charset="0"/>
+                <a:ea typeface="Helvetica Neue Thin" charset="0"/>
+                <a:cs typeface="Helvetica Neue Thin" charset="0"/>
+              </a:rPr>
+              <a:t>OR:</a:t>
+            </a:r>
+            <a:r>
+              <a:rPr lang="en-US" sz="3600" dirty="0" smtClean="0">
+                <a:latin typeface="Helvetica Neue Thin" charset="0"/>
+                <a:ea typeface="Helvetica Neue Thin" charset="0"/>
+                <a:cs typeface="Helvetica Neue Thin" charset="0"/>
+              </a:rPr>
+              <a:t> </a:t>
+            </a:r>
+          </a:p>
+          <a:p>
+            <a:pPr marL="2984500" indent="0">
+              <a:buNone/>
+            </a:pPr>
+            <a:r>
+              <a:rPr lang="en-US" dirty="0" smtClean="0">
+                <a:latin typeface="Courier" charset="0"/>
+                <a:ea typeface="Courier" charset="0"/>
+                <a:cs typeface="Courier" charset="0"/>
+              </a:rPr>
+              <a:t>{% </a:t>
+            </a:r>
+            <a:r>
+              <a:rPr lang="en-US" dirty="0">
+                <a:latin typeface="Courier" charset="0"/>
+                <a:ea typeface="Courier" charset="0"/>
+                <a:cs typeface="Courier" charset="0"/>
+              </a:rPr>
+              <a:t>for field in form %} </a:t>
+            </a:r>
+            <a:endParaRPr lang="en-US" dirty="0" smtClean="0">
               <a:latin typeface="Courier" charset="0"/>
               <a:ea typeface="Courier" charset="0"/>
               <a:cs typeface="Courier" charset="0"/>
             </a:endParaRPr>
           </a:p>
-        </p:txBody>
-      </p:sp>
-      <p:sp>
-        <p:nvSpPr>
-          <p:cNvPr id="3" name="Content Placeholder 2"/>
-          <p:cNvSpPr>
-            <a:spLocks noGrp="1"/>
-          </p:cNvSpPr>
-          <p:nvPr>
-            <p:ph idx="1"/>
-          </p:nvPr>
-        </p:nvSpPr>
-        <p:spPr/>
-        <p:txBody>
-          <a:bodyPr/>
-          <a:lstStyle/>
-          <a:p>
-            <a:pPr lvl="0">
-              <a:lnSpc>
-                <a:spcPct val="150000"/>
-              </a:lnSpc>
+          <a:p>
+            <a:pPr marL="2984500" lvl="1" indent="0">
+              <a:buNone/>
             </a:pPr>
-            <a:r>
-              <a:rPr lang="en-US" dirty="0" smtClean="0"/>
-              <a:t>BEFORE page is shown:</a:t>
-            </a:r>
-          </a:p>
-          <a:p>
-            <a:pPr lvl="1">
-              <a:lnSpc>
-                <a:spcPct val="150000"/>
-              </a:lnSpc>
-            </a:pPr>
-            <a:r>
-              <a:rPr lang="en-US" dirty="0" err="1" smtClean="0"/>
-              <a:t>is_displayed</a:t>
-            </a:r>
-            <a:r>
-              <a:rPr lang="en-US" dirty="0" smtClean="0"/>
-              <a:t> </a:t>
-            </a:r>
-            <a:r>
-              <a:rPr lang="en-US" i="1" dirty="0" smtClean="0"/>
-              <a:t>(should return </a:t>
-            </a:r>
             <a:r>
               <a:rPr lang="en-US" dirty="0" smtClean="0">
                 <a:latin typeface="Courier" charset="0"/>
                 <a:ea typeface="Courier" charset="0"/>
                 <a:cs typeface="Courier" charset="0"/>
               </a:rPr>
-              <a:t>True</a:t>
-            </a:r>
-            <a:r>
-              <a:rPr lang="en-US" i="1" dirty="0" smtClean="0"/>
-              <a:t> if page is to be shown)</a:t>
-            </a:r>
-            <a:endParaRPr lang="en-US" dirty="0" smtClean="0"/>
-          </a:p>
-          <a:p>
-            <a:pPr lvl="1">
-              <a:lnSpc>
-                <a:spcPct val="150000"/>
-              </a:lnSpc>
+              <a:t>		{% </a:t>
+            </a:r>
+            <a:r>
+              <a:rPr lang="en-US" dirty="0" err="1">
+                <a:latin typeface="Courier" charset="0"/>
+                <a:ea typeface="Courier" charset="0"/>
+                <a:cs typeface="Courier" charset="0"/>
+              </a:rPr>
+              <a:t>formfield</a:t>
+            </a:r>
+            <a:r>
+              <a:rPr lang="en-US" dirty="0">
+                <a:latin typeface="Courier" charset="0"/>
+                <a:ea typeface="Courier" charset="0"/>
+                <a:cs typeface="Courier" charset="0"/>
+              </a:rPr>
+              <a:t> field %} </a:t>
+            </a:r>
+            <a:endParaRPr lang="en-US" dirty="0" smtClean="0">
+              <a:latin typeface="Courier" charset="0"/>
+              <a:ea typeface="Courier" charset="0"/>
+              <a:cs typeface="Courier" charset="0"/>
+            </a:endParaRPr>
+          </a:p>
+          <a:p>
+            <a:pPr marL="2984500" indent="0">
+              <a:buNone/>
             </a:pPr>
             <a:r>
-              <a:rPr lang="en-US" dirty="0" err="1" smtClean="0"/>
-              <a:t>vars_for_template</a:t>
-            </a:r>
-            <a:r>
-              <a:rPr lang="en-US" dirty="0" smtClean="0"/>
-              <a:t> (should return variables in a form </a:t>
-            </a:r>
-            <a:r>
-              <a:rPr lang="en-US" dirty="0" smtClean="0"/>
-              <a:t>of a </a:t>
-            </a:r>
-            <a:r>
-              <a:rPr lang="en-US" b="1" dirty="0" smtClean="0"/>
-              <a:t>dictionary)</a:t>
-            </a:r>
-            <a:endParaRPr lang="en-US" dirty="0" smtClean="0"/>
-          </a:p>
-          <a:p>
-            <a:pPr lvl="0">
-              <a:lnSpc>
-                <a:spcPct val="150000"/>
-              </a:lnSpc>
+              <a:rPr lang="en-US" dirty="0" smtClean="0">
+                <a:latin typeface="Courier" charset="0"/>
+                <a:ea typeface="Courier" charset="0"/>
+                <a:cs typeface="Courier" charset="0"/>
+              </a:rPr>
+              <a:t>{% </a:t>
+            </a:r>
+            <a:r>
+              <a:rPr lang="en-US" dirty="0" err="1">
+                <a:latin typeface="Courier" charset="0"/>
+                <a:ea typeface="Courier" charset="0"/>
+                <a:cs typeface="Courier" charset="0"/>
+              </a:rPr>
+              <a:t>endfor</a:t>
+            </a:r>
+            <a:r>
+              <a:rPr lang="en-US" dirty="0">
+                <a:latin typeface="Courier" charset="0"/>
+                <a:ea typeface="Courier" charset="0"/>
+                <a:cs typeface="Courier" charset="0"/>
+              </a:rPr>
+              <a:t> </a:t>
+            </a:r>
+            <a:r>
+              <a:rPr lang="en-US" dirty="0" smtClean="0">
+                <a:latin typeface="Courier" charset="0"/>
+                <a:ea typeface="Courier" charset="0"/>
+                <a:cs typeface="Courier" charset="0"/>
+              </a:rPr>
+              <a:t>%}</a:t>
+            </a:r>
+          </a:p>
+          <a:p>
+            <a:pPr marL="301625" indent="0" algn="ctr">
+              <a:buNone/>
             </a:pPr>
             <a:r>
-              <a:rPr lang="en-US" dirty="0" smtClean="0"/>
-              <a:t>AFTER page is shown:</a:t>
-            </a:r>
-          </a:p>
-          <a:p>
-            <a:pPr lvl="1">
-              <a:lnSpc>
-                <a:spcPct val="150000"/>
-              </a:lnSpc>
+              <a:rPr lang="en-US" sz="3600" b="1" dirty="0">
+                <a:solidFill>
+                  <a:srgbClr val="FF0000"/>
+                </a:solidFill>
+                <a:latin typeface="Helvetica Neue Thin" charset="0"/>
+                <a:ea typeface="Helvetica Neue Thin" charset="0"/>
+                <a:cs typeface="Helvetica Neue Thin" charset="0"/>
+              </a:rPr>
+              <a:t>OR: </a:t>
+            </a:r>
+          </a:p>
+          <a:p>
+            <a:pPr marL="15875" indent="0" algn="ctr">
+              <a:buNone/>
             </a:pPr>
             <a:r>
-              <a:rPr lang="en-US" dirty="0" err="1" smtClean="0"/>
-              <a:t>before_next_page</a:t>
-            </a:r>
-            <a:endParaRPr lang="en-US" dirty="0" smtClean="0"/>
+              <a:rPr lang="en-US" dirty="0" smtClean="0">
+                <a:latin typeface="Courier" charset="0"/>
+                <a:ea typeface="Courier" charset="0"/>
+                <a:cs typeface="Courier" charset="0"/>
+              </a:rPr>
+              <a:t>{% </a:t>
+            </a:r>
+            <a:r>
+              <a:rPr lang="en-US" dirty="0" err="1" smtClean="0">
+                <a:latin typeface="Courier" charset="0"/>
+                <a:ea typeface="Courier" charset="0"/>
+                <a:cs typeface="Courier" charset="0"/>
+              </a:rPr>
+              <a:t>formfields</a:t>
+            </a:r>
+            <a:r>
+              <a:rPr lang="en-US" dirty="0" smtClean="0">
+                <a:latin typeface="Courier" charset="0"/>
+                <a:ea typeface="Courier" charset="0"/>
+                <a:cs typeface="Courier" charset="0"/>
+              </a:rPr>
+              <a:t> %}</a:t>
+            </a:r>
+            <a:endParaRPr lang="en-US" dirty="0">
+              <a:latin typeface="Courier" charset="0"/>
+              <a:ea typeface="Courier" charset="0"/>
+              <a:cs typeface="Courier" charset="0"/>
+            </a:endParaRPr>
+          </a:p>
+          <a:p>
+            <a:pPr marL="2984500" indent="0">
+              <a:buNone/>
+            </a:pPr>
+            <a:endParaRPr lang="en-US" dirty="0" smtClean="0">
+              <a:latin typeface="Courier" charset="0"/>
+              <a:ea typeface="Courier" charset="0"/>
+              <a:cs typeface="Courier" charset="0"/>
+            </a:endParaRPr>
+          </a:p>
+          <a:p>
+            <a:pPr marL="301625" indent="0" algn="ctr">
+              <a:buNone/>
+            </a:pPr>
+            <a:r>
+              <a:rPr lang="en-US" sz="3600" b="1" dirty="0">
+                <a:solidFill>
+                  <a:srgbClr val="FF0000"/>
+                </a:solidFill>
+                <a:latin typeface="Helvetica Neue Thin" charset="0"/>
+                <a:ea typeface="Helvetica Neue Thin" charset="0"/>
+                <a:cs typeface="Helvetica Neue Thin" charset="0"/>
+              </a:rPr>
+              <a:t>OR: </a:t>
+            </a:r>
+          </a:p>
+          <a:p>
+            <a:pPr marL="15875" indent="0" algn="ctr">
+              <a:buNone/>
+            </a:pPr>
+            <a:r>
+              <a:rPr lang="en-US" dirty="0" smtClean="0">
+                <a:latin typeface="Courier" charset="0"/>
+                <a:ea typeface="Courier" charset="0"/>
+                <a:cs typeface="Courier" charset="0"/>
+              </a:rPr>
+              <a:t>{{ form }}</a:t>
+            </a:r>
           </a:p>
         </p:txBody>
       </p:sp>
     </p:spTree>
     <p:extLst>
       <p:ext uri="{BB962C8B-B14F-4D97-AF65-F5344CB8AC3E}">
-        <p14:creationId xmlns:p14="http://schemas.microsoft.com/office/powerpoint/2010/main" val="1401883589"/>
+        <p14:creationId xmlns:p14="http://schemas.microsoft.com/office/powerpoint/2010/main" val="100886266"/>
       </p:ext>
     </p:extLst>
   </p:cSld>
@@ -4792,193 +4898,135 @@
           <a:lstStyle/>
           <a:p>
             <a:r>
-              <a:rPr lang="en-US" dirty="0" smtClean="0"/>
-              <a:t>Templates: using variables</a:t>
-            </a:r>
-            <a:endParaRPr lang="en-US" dirty="0"/>
-          </a:p>
-        </p:txBody>
-      </p:sp>
-      <p:sp>
-        <p:nvSpPr>
-          <p:cNvPr id="7" name="Content Placeholder 6"/>
-          <p:cNvSpPr>
-            <a:spLocks noGrp="1"/>
-          </p:cNvSpPr>
-          <p:nvPr>
-            <p:ph idx="1"/>
-          </p:nvPr>
-        </p:nvSpPr>
-        <p:spPr/>
-        <p:txBody>
-          <a:bodyPr>
-            <a:normAutofit lnSpcReduction="10000"/>
-          </a:bodyPr>
-          <a:lstStyle/>
-          <a:p>
-            <a:r>
-              <a:rPr lang="en-US" dirty="0" smtClean="0"/>
-              <a:t>In a template you can access variables defined in </a:t>
-            </a:r>
-            <a:r>
-              <a:rPr lang="en-US" dirty="0" err="1" smtClean="0">
+              <a:rPr lang="en-US" smtClean="0"/>
+              <a:t>Methods of an oTree </a:t>
+            </a:r>
+            <a:r>
+              <a:rPr lang="en-US" smtClean="0">
                 <a:latin typeface="Courier" charset="0"/>
                 <a:ea typeface="Courier" charset="0"/>
                 <a:cs typeface="Courier" charset="0"/>
               </a:rPr>
-              <a:t>vars_for_template</a:t>
-            </a:r>
-            <a:r>
-              <a:rPr lang="en-US" dirty="0">
-                <a:latin typeface="Courier" charset="0"/>
-                <a:ea typeface="Courier" charset="0"/>
-                <a:cs typeface="Courier" charset="0"/>
-              </a:rPr>
+              <a:t>Page</a:t>
+            </a:r>
+            <a:endParaRPr lang="en-US">
+              <a:latin typeface="Courier" charset="0"/>
+              <a:ea typeface="Courier" charset="0"/>
+              <a:cs typeface="Courier" charset="0"/>
+            </a:endParaRPr>
+          </a:p>
+        </p:txBody>
+      </p:sp>
+      <p:sp>
+        <p:nvSpPr>
+          <p:cNvPr id="3" name="Content Placeholder 2"/>
+          <p:cNvSpPr>
+            <a:spLocks noGrp="1"/>
+          </p:cNvSpPr>
+          <p:nvPr>
+            <p:ph idx="1"/>
+          </p:nvPr>
+        </p:nvSpPr>
+        <p:spPr/>
+        <p:txBody>
+          <a:bodyPr/>
+          <a:lstStyle/>
+          <a:p>
+            <a:pPr lvl="0">
+              <a:lnSpc>
+                <a:spcPct val="150000"/>
+              </a:lnSpc>
+            </a:pPr>
+            <a:r>
+              <a:rPr lang="en-US" dirty="0" smtClean="0"/>
+              <a:t>BEFORE page is shown:</a:t>
+            </a:r>
+          </a:p>
+          <a:p>
+            <a:pPr lvl="1">
+              <a:lnSpc>
+                <a:spcPct val="150000"/>
+              </a:lnSpc>
+            </a:pPr>
+            <a:r>
+              <a:rPr lang="en-US" dirty="0" err="1" smtClean="0"/>
+              <a:t>is_displayed</a:t>
+            </a:r>
+            <a:r>
+              <a:rPr lang="en-US" dirty="0" smtClean="0"/>
               <a:t> </a:t>
             </a:r>
             <a:r>
-              <a:rPr lang="en-US" dirty="0" smtClean="0"/>
-              <a:t>of the specific page:</a:t>
-            </a:r>
-          </a:p>
-          <a:p>
-            <a:endParaRPr lang="en-US" dirty="0" smtClean="0"/>
-          </a:p>
-          <a:p>
-            <a:pPr marL="0" indent="0" algn="ctr">
-              <a:buNone/>
-            </a:pPr>
+              <a:rPr lang="en-US" i="1" dirty="0" smtClean="0"/>
+              <a:t>(should return </a:t>
+            </a:r>
             <a:r>
               <a:rPr lang="en-US" dirty="0" smtClean="0">
                 <a:latin typeface="Courier" charset="0"/>
                 <a:ea typeface="Courier" charset="0"/>
                 <a:cs typeface="Courier" charset="0"/>
               </a:rPr>
-              <a:t>{{ </a:t>
-            </a:r>
-            <a:r>
-              <a:rPr lang="en-US" dirty="0" err="1" smtClean="0">
-                <a:latin typeface="Courier" charset="0"/>
-                <a:ea typeface="Courier" charset="0"/>
-                <a:cs typeface="Courier" charset="0"/>
-              </a:rPr>
-              <a:t>var</a:t>
-            </a:r>
-            <a:r>
-              <a:rPr lang="en-US" dirty="0" smtClean="0">
-                <a:latin typeface="Courier" charset="0"/>
-                <a:ea typeface="Courier" charset="0"/>
-                <a:cs typeface="Courier" charset="0"/>
-              </a:rPr>
-              <a:t> }}</a:t>
-            </a:r>
-          </a:p>
-          <a:p>
-            <a:pPr marL="0" indent="0">
-              <a:buNone/>
+              <a:t>True</a:t>
+            </a:r>
+            <a:r>
+              <a:rPr lang="en-US" i="1" dirty="0" smtClean="0"/>
+              <a:t> if page is to be shown)</a:t>
+            </a:r>
+            <a:endParaRPr lang="en-US" dirty="0" smtClean="0"/>
+          </a:p>
+          <a:p>
+            <a:pPr lvl="1">
+              <a:lnSpc>
+                <a:spcPct val="150000"/>
+              </a:lnSpc>
             </a:pPr>
             <a:r>
-              <a:rPr lang="en-US" dirty="0" smtClean="0">
-                <a:latin typeface="Helvetica Neue Light" charset="0"/>
-                <a:ea typeface="Helvetica Neue Light" charset="0"/>
-                <a:cs typeface="Helvetica Neue Light" charset="0"/>
-              </a:rPr>
-              <a:t>You can also use lists and dictionaries</a:t>
-            </a:r>
-          </a:p>
-          <a:p>
-            <a:r>
-              <a:rPr lang="en-US" dirty="0" smtClean="0"/>
-              <a:t>You can also access any variable in Constants, Player, Group</a:t>
-            </a:r>
-            <a:r>
-              <a:rPr lang="mr-IN" dirty="0" smtClean="0"/>
-              <a:t>…</a:t>
+              <a:rPr lang="en-US" dirty="0" err="1" smtClean="0"/>
+              <a:t>vars_for_template</a:t>
+            </a:r>
+            <a:r>
+              <a:rPr lang="en-US" dirty="0" smtClean="0"/>
+              <a:t> (should return variables in a form </a:t>
+            </a:r>
+            <a:r>
+              <a:rPr lang="en-US" dirty="0" smtClean="0"/>
+              <a:t>of a </a:t>
+            </a:r>
+            <a:r>
+              <a:rPr lang="en-US" b="1" dirty="0" smtClean="0"/>
+              <a:t>dictionary)</a:t>
             </a:r>
             <a:endParaRPr lang="en-US" dirty="0" smtClean="0"/>
           </a:p>
           <a:p>
+            <a:pPr lvl="0">
+              <a:lnSpc>
+                <a:spcPct val="150000"/>
+              </a:lnSpc>
+            </a:pPr>
+            <a:r>
+              <a:rPr lang="en-US" dirty="0" smtClean="0"/>
+              <a:t>AFTER page is shown:</a:t>
+            </a:r>
+          </a:p>
+          <a:p>
+            <a:pPr lvl="1">
+              <a:lnSpc>
+                <a:spcPct val="150000"/>
+              </a:lnSpc>
+            </a:pPr>
+            <a:r>
+              <a:rPr lang="en-US" dirty="0" err="1" smtClean="0"/>
+              <a:t>before_next_page</a:t>
+            </a:r>
             <a:endParaRPr lang="en-US" dirty="0" smtClean="0"/>
-          </a:p>
-          <a:p>
-            <a:pPr marL="0" indent="0" algn="ctr">
-              <a:buNone/>
-            </a:pPr>
-            <a:r>
-              <a:rPr lang="en-US" dirty="0" smtClean="0">
-                <a:latin typeface="Courier" charset="0"/>
-                <a:ea typeface="Courier" charset="0"/>
-                <a:cs typeface="Courier" charset="0"/>
-              </a:rPr>
-              <a:t>{{ </a:t>
-            </a:r>
-            <a:r>
-              <a:rPr lang="en-US" dirty="0" err="1" smtClean="0">
-                <a:latin typeface="Courier" charset="0"/>
-                <a:ea typeface="Courier" charset="0"/>
-                <a:cs typeface="Courier" charset="0"/>
-              </a:rPr>
-              <a:t>player.payoff</a:t>
-            </a:r>
-            <a:r>
-              <a:rPr lang="en-US" dirty="0" smtClean="0">
-                <a:latin typeface="Courier" charset="0"/>
-                <a:ea typeface="Courier" charset="0"/>
-                <a:cs typeface="Courier" charset="0"/>
-              </a:rPr>
-              <a:t> }}</a:t>
-            </a:r>
-          </a:p>
-          <a:p>
-            <a:pPr marL="0" indent="0" algn="ctr">
-              <a:buNone/>
-            </a:pPr>
-            <a:r>
-              <a:rPr lang="en-US" dirty="0">
-                <a:latin typeface="Courier" charset="0"/>
-                <a:ea typeface="Courier" charset="0"/>
-                <a:cs typeface="Courier" charset="0"/>
-              </a:rPr>
-              <a:t>{{ </a:t>
-            </a:r>
-            <a:r>
-              <a:rPr lang="en-US" dirty="0" err="1" smtClean="0">
-                <a:latin typeface="Courier" charset="0"/>
-                <a:ea typeface="Courier" charset="0"/>
-                <a:cs typeface="Courier" charset="0"/>
-              </a:rPr>
-              <a:t>participant.payoff</a:t>
-            </a:r>
-            <a:r>
-              <a:rPr lang="en-US" dirty="0" smtClean="0">
-                <a:latin typeface="Courier" charset="0"/>
-                <a:ea typeface="Courier" charset="0"/>
-                <a:cs typeface="Courier" charset="0"/>
-              </a:rPr>
-              <a:t> }}</a:t>
-            </a:r>
-            <a:endParaRPr lang="en-US" dirty="0">
-              <a:latin typeface="Courier" charset="0"/>
-              <a:ea typeface="Courier" charset="0"/>
-              <a:cs typeface="Courier" charset="0"/>
-            </a:endParaRPr>
-          </a:p>
-          <a:p>
-            <a:pPr marL="0" indent="0" algn="ctr">
-              <a:buNone/>
-            </a:pPr>
-            <a:endParaRPr lang="en-US" dirty="0" smtClean="0">
-              <a:latin typeface="Courier" charset="0"/>
-              <a:ea typeface="Courier" charset="0"/>
-              <a:cs typeface="Courier" charset="0"/>
-            </a:endParaRPr>
           </a:p>
         </p:txBody>
       </p:sp>
     </p:spTree>
     <p:extLst>
       <p:ext uri="{BB962C8B-B14F-4D97-AF65-F5344CB8AC3E}">
-        <p14:creationId xmlns:p14="http://schemas.microsoft.com/office/powerpoint/2010/main" val="523872768"/>
+        <p14:creationId xmlns:p14="http://schemas.microsoft.com/office/powerpoint/2010/main" val="1401883589"/>
       </p:ext>
     </p:extLst>
   </p:cSld>
@@ -5028,8 +5076,8 @@
           <a:lstStyle/>
           <a:p>
             <a:r>
-              <a:rPr lang="en-US" dirty="0" err="1" smtClean="0"/>
-              <a:t>WaitPage</a:t>
+              <a:rPr lang="en-US" dirty="0" smtClean="0"/>
+              <a:t>Templates: using variables</a:t>
             </a:r>
             <a:endParaRPr lang="en-US" dirty="0"/>
           </a:p>
@@ -5037,7 +5085,7 @@
       </p:sp>
       <p:sp>
         <p:nvSpPr>
-          <p:cNvPr id="6" name="Content Placeholder 5"/>
+          <p:cNvPr id="7" name="Content Placeholder 6"/>
           <p:cNvSpPr>
             <a:spLocks noGrp="1"/>
           </p:cNvSpPr>
@@ -5047,51 +5095,50 @@
         </p:nvSpPr>
         <p:spPr/>
         <p:txBody>
-          <a:bodyPr/>
-          <a:lstStyle/>
-          <a:p>
+          <a:bodyPr>
+            <a:normAutofit lnSpcReduction="10000"/>
+          </a:bodyPr>
+          <a:lstStyle/>
+          <a:p>
+            <a:r>
+              <a:rPr lang="en-US" dirty="0" smtClean="0"/>
+              <a:t>In a template you can access variables defined in </a:t>
+            </a:r>
             <a:r>
               <a:rPr lang="en-US" dirty="0" err="1" smtClean="0">
                 <a:latin typeface="Courier" charset="0"/>
                 <a:ea typeface="Courier" charset="0"/>
                 <a:cs typeface="Courier" charset="0"/>
               </a:rPr>
-              <a:t>WaitPage</a:t>
-            </a:r>
-            <a:r>
-              <a:rPr lang="en-US" dirty="0" smtClean="0"/>
-              <a:t> is a special class of pages</a:t>
-            </a:r>
-          </a:p>
-          <a:p>
-            <a:r>
-              <a:rPr lang="en-US" dirty="0" smtClean="0"/>
-              <a:t>by default all members of a group wait until everyone reaches this stage</a:t>
-            </a:r>
-          </a:p>
-          <a:p>
-            <a:r>
-              <a:rPr lang="en-US" dirty="0" smtClean="0"/>
-              <a:t>after that they proceed further along </a:t>
-            </a:r>
-            <a:r>
-              <a:rPr lang="en-US" dirty="0" err="1" smtClean="0"/>
-              <a:t>page_sequence</a:t>
-            </a:r>
+              <a:t>vars_for_template</a:t>
+            </a:r>
+            <a:r>
+              <a:rPr lang="en-US" dirty="0">
+                <a:latin typeface="Courier" charset="0"/>
+                <a:ea typeface="Courier" charset="0"/>
+                <a:cs typeface="Courier" charset="0"/>
+              </a:rPr>
+              <a:t> </a:t>
+            </a:r>
+            <a:r>
+              <a:rPr lang="en-US" dirty="0" smtClean="0"/>
+              <a:t>of the specific page:</a:t>
+            </a:r>
+          </a:p>
+          <a:p>
             <a:endParaRPr lang="en-US" dirty="0" smtClean="0"/>
           </a:p>
           <a:p>
-            <a:r>
-              <a:rPr lang="en-US" dirty="0" smtClean="0"/>
-              <a:t>when players reach the </a:t>
-            </a:r>
-            <a:r>
-              <a:rPr lang="en-US" dirty="0" err="1" smtClean="0"/>
-              <a:t>waitpage</a:t>
-            </a:r>
-            <a:r>
-              <a:rPr lang="en-US" dirty="0" smtClean="0"/>
-              <a:t>, the </a:t>
+            <a:pPr marL="0" indent="0" algn="ctr">
+              <a:buNone/>
+            </a:pPr>
+            <a:r>
+              <a:rPr lang="en-US" dirty="0" smtClean="0">
+                <a:latin typeface="Courier" charset="0"/>
+                <a:ea typeface="Courier" charset="0"/>
+                <a:cs typeface="Courier" charset="0"/>
+              </a:rPr>
+              <a:t>{{ </a:t>
             </a:r>
             <a:r>
               <a:rPr lang="en-US" dirty="0" err="1" smtClean="0">
@@ -5099,17 +5146,55 @@
                 <a:ea typeface="Courier" charset="0"/>
                 <a:cs typeface="Courier" charset="0"/>
               </a:rPr>
-              <a:t>after_all_players_arrive</a:t>
-            </a:r>
-            <a:r>
-              <a:rPr lang="en-US" dirty="0" smtClean="0"/>
-              <a:t> is executed</a:t>
-            </a:r>
-          </a:p>
-          <a:p>
-            <a:r>
-              <a:rPr lang="en-US" dirty="0" smtClean="0"/>
-              <a:t>it can be skipped with </a:t>
+              <a:t>var</a:t>
+            </a:r>
+            <a:r>
+              <a:rPr lang="en-US" dirty="0" smtClean="0">
+                <a:latin typeface="Courier" charset="0"/>
+                <a:ea typeface="Courier" charset="0"/>
+                <a:cs typeface="Courier" charset="0"/>
+              </a:rPr>
+              <a:t> }}</a:t>
+            </a:r>
+          </a:p>
+          <a:p>
+            <a:pPr marL="0" indent="0">
+              <a:buNone/>
+            </a:pPr>
+            <a:r>
+              <a:rPr lang="en-US" dirty="0" smtClean="0">
+                <a:latin typeface="Helvetica Neue Light" charset="0"/>
+                <a:ea typeface="Helvetica Neue Light" charset="0"/>
+                <a:cs typeface="Helvetica Neue Light" charset="0"/>
+              </a:rPr>
+              <a:t>You can also use lists and dictionaries</a:t>
+            </a:r>
+          </a:p>
+          <a:p>
+            <a:r>
+              <a:rPr lang="en-US" dirty="0" smtClean="0"/>
+              <a:t>You can also access any variable in Constants, Player, Group</a:t>
+            </a:r>
+            <a:r>
+              <a:rPr lang="mr-IN" dirty="0" smtClean="0"/>
+              <a:t>…</a:t>
+            </a:r>
+            <a:endParaRPr lang="en-US" dirty="0" smtClean="0"/>
+          </a:p>
+          <a:p>
+            <a:endParaRPr lang="en-US" dirty="0" smtClean="0"/>
+          </a:p>
+          <a:p>
+            <a:pPr marL="0" indent="0" algn="ctr">
+              <a:buNone/>
+            </a:pPr>
+            <a:r>
+              <a:rPr lang="en-US" dirty="0" smtClean="0">
+                <a:latin typeface="Courier" charset="0"/>
+                <a:ea typeface="Courier" charset="0"/>
+                <a:cs typeface="Courier" charset="0"/>
+              </a:rPr>
+              <a:t>{{ </a:t>
             </a:r>
             <a:r>
               <a:rPr lang="en-US" dirty="0" err="1" smtClean="0">
@@ -5117,20 +5202,67 @@
                 <a:ea typeface="Courier" charset="0"/>
                 <a:cs typeface="Courier" charset="0"/>
               </a:rPr>
-              <a:t>is_displayed</a:t>
-            </a:r>
-            <a:r>
-              <a:rPr lang="en-US" dirty="0" smtClean="0"/>
-              <a:t> method (as normal Page)</a:t>
-            </a:r>
-            <a:endParaRPr lang="en-US" dirty="0"/>
+              <a:t>player.payoff</a:t>
+            </a:r>
+            <a:r>
+              <a:rPr lang="en-US" dirty="0" smtClean="0">
+                <a:latin typeface="Courier" charset="0"/>
+                <a:ea typeface="Courier" charset="0"/>
+                <a:cs typeface="Courier" charset="0"/>
+              </a:rPr>
+              <a:t> }}</a:t>
+            </a:r>
+          </a:p>
+          <a:p>
+            <a:pPr marL="0" indent="0" algn="ctr">
+              <a:buNone/>
+            </a:pPr>
+            <a:r>
+              <a:rPr lang="en-US" dirty="0">
+                <a:latin typeface="Courier" charset="0"/>
+                <a:ea typeface="Courier" charset="0"/>
+                <a:cs typeface="Courier" charset="0"/>
+              </a:rPr>
+              <a:t>{{ </a:t>
+            </a:r>
+            <a:r>
+              <a:rPr lang="en-US" dirty="0" err="1" smtClean="0">
+                <a:latin typeface="Courier" charset="0"/>
+                <a:ea typeface="Courier" charset="0"/>
+                <a:cs typeface="Courier" charset="0"/>
+              </a:rPr>
+              <a:t>participant.payoff</a:t>
+            </a:r>
+            <a:r>
+              <a:rPr lang="en-US" dirty="0" smtClean="0">
+                <a:latin typeface="Courier" charset="0"/>
+                <a:ea typeface="Courier" charset="0"/>
+                <a:cs typeface="Courier" charset="0"/>
+              </a:rPr>
+              <a:t> }}</a:t>
+            </a:r>
+            <a:endParaRPr lang="en-US" dirty="0">
+              <a:latin typeface="Courier" charset="0"/>
+              <a:ea typeface="Courier" charset="0"/>
+              <a:cs typeface="Courier" charset="0"/>
+            </a:endParaRPr>
+          </a:p>
+          <a:p>
+            <a:pPr marL="0" indent="0" algn="ctr">
+              <a:buNone/>
+            </a:pPr>
+            <a:endParaRPr lang="en-US" dirty="0" smtClean="0">
+              <a:latin typeface="Courier" charset="0"/>
+              <a:ea typeface="Courier" charset="0"/>
+              <a:cs typeface="Courier" charset="0"/>
+            </a:endParaRPr>
           </a:p>
         </p:txBody>
       </p:sp>
     </p:spTree>
     <p:extLst>
       <p:ext uri="{BB962C8B-B14F-4D97-AF65-F5344CB8AC3E}">
-        <p14:creationId xmlns:p14="http://schemas.microsoft.com/office/powerpoint/2010/main" val="386376421"/>
+        <p14:creationId xmlns:p14="http://schemas.microsoft.com/office/powerpoint/2010/main" val="523872768"/>
       </p:ext>
     </p:extLst>
   </p:cSld>
@@ -5180,218 +5312,117 @@
           <a:lstStyle/>
           <a:p>
             <a:r>
-              <a:rPr lang="en-US" smtClean="0">
+              <a:rPr lang="en-US" dirty="0" err="1" smtClean="0"/>
+              <a:t>WaitPage</a:t>
+            </a:r>
+            <a:endParaRPr lang="en-US" dirty="0"/>
+          </a:p>
+        </p:txBody>
+      </p:sp>
+      <p:sp>
+        <p:nvSpPr>
+          <p:cNvPr id="6" name="Content Placeholder 5"/>
+          <p:cNvSpPr>
+            <a:spLocks noGrp="1"/>
+          </p:cNvSpPr>
+          <p:nvPr>
+            <p:ph idx="1"/>
+          </p:nvPr>
+        </p:nvSpPr>
+        <p:spPr/>
+        <p:txBody>
+          <a:bodyPr/>
+          <a:lstStyle/>
+          <a:p>
+            <a:r>
+              <a:rPr lang="en-US" dirty="0" err="1" smtClean="0">
                 <a:latin typeface="Courier" charset="0"/>
                 <a:ea typeface="Courier" charset="0"/>
                 <a:cs typeface="Courier" charset="0"/>
               </a:rPr>
-              <a:t>player </a:t>
-            </a:r>
-            <a:r>
-              <a:rPr lang="en-US" smtClean="0"/>
-              <a:t>model</a:t>
-            </a:r>
-            <a:endParaRPr lang="en-US" dirty="0"/>
-          </a:p>
-        </p:txBody>
-      </p:sp>
-      <p:sp>
-        <p:nvSpPr>
-          <p:cNvPr id="4" name="Content Placeholder 3"/>
-          <p:cNvSpPr>
-            <a:spLocks noGrp="1"/>
-          </p:cNvSpPr>
-          <p:nvPr>
-            <p:ph idx="1"/>
-          </p:nvPr>
-        </p:nvSpPr>
-        <p:spPr/>
-        <p:txBody>
-          <a:bodyPr>
-            <a:normAutofit fontScale="92500" lnSpcReduction="20000"/>
-          </a:bodyPr>
-          <a:lstStyle/>
-          <a:p>
-            <a:pPr>
-              <a:lnSpc>
-                <a:spcPct val="100000"/>
-              </a:lnSpc>
-            </a:pPr>
-            <a:r>
-              <a:rPr lang="en-US" b="1" u="sng" dirty="0">
-                <a:solidFill>
-                  <a:srgbClr val="FF0000"/>
-                </a:solidFill>
-              </a:rPr>
-              <a:t>built-in attributes:</a:t>
-            </a:r>
-          </a:p>
-          <a:p>
-            <a:r>
-              <a:rPr lang="en-US" sz="2400" dirty="0" err="1" smtClean="0">
+              <a:t>WaitPage</a:t>
+            </a:r>
+            <a:r>
+              <a:rPr lang="en-US" dirty="0" smtClean="0"/>
+              <a:t> is a special class of pages</a:t>
+            </a:r>
+          </a:p>
+          <a:p>
+            <a:r>
+              <a:rPr lang="en-US" dirty="0" smtClean="0"/>
+              <a:t>by default all members of a group wait until everyone reaches this stage</a:t>
+            </a:r>
+          </a:p>
+          <a:p>
+            <a:r>
+              <a:rPr lang="en-US" dirty="0" smtClean="0"/>
+              <a:t>after that they proceed further along </a:t>
+            </a:r>
+            <a:r>
+              <a:rPr lang="en-US" dirty="0" err="1" smtClean="0"/>
+              <a:t>page_sequence</a:t>
+            </a:r>
+            <a:endParaRPr lang="en-US" dirty="0" smtClean="0"/>
+          </a:p>
+          <a:p>
+            <a:r>
+              <a:rPr lang="en-US" dirty="0" smtClean="0"/>
+              <a:t>when players reach the </a:t>
+            </a:r>
+            <a:r>
+              <a:rPr lang="en-US" dirty="0" err="1" smtClean="0"/>
+              <a:t>waitpage</a:t>
+            </a:r>
+            <a:r>
+              <a:rPr lang="en-US" dirty="0" smtClean="0"/>
+              <a:t>, the </a:t>
+            </a:r>
+            <a:r>
+              <a:rPr lang="en-US" dirty="0" err="1" smtClean="0">
                 <a:latin typeface="Courier" charset="0"/>
                 <a:ea typeface="Courier" charset="0"/>
                 <a:cs typeface="Courier" charset="0"/>
               </a:rPr>
-              <a:t>id_in_group</a:t>
-            </a:r>
-            <a:endParaRPr lang="en-US" sz="2400" dirty="0" smtClean="0">
-              <a:latin typeface="Courier" charset="0"/>
-              <a:ea typeface="Courier" charset="0"/>
-              <a:cs typeface="Courier" charset="0"/>
-            </a:endParaRPr>
-          </a:p>
-          <a:p>
-            <a:r>
-              <a:rPr lang="en-US" sz="2400" dirty="0" err="1" smtClean="0">
+              <a:t>after_all_players_arrive</a:t>
+            </a:r>
+            <a:r>
+              <a:rPr lang="en-US" dirty="0" smtClean="0"/>
+              <a:t> is executed</a:t>
+            </a:r>
+          </a:p>
+          <a:p>
+            <a:r>
+              <a:rPr lang="en-US" dirty="0" smtClean="0"/>
+              <a:t>it can be skipped with </a:t>
+            </a:r>
+            <a:r>
+              <a:rPr lang="en-US" dirty="0" err="1" smtClean="0">
                 <a:latin typeface="Courier" charset="0"/>
                 <a:ea typeface="Courier" charset="0"/>
                 <a:cs typeface="Courier" charset="0"/>
               </a:rPr>
-              <a:t>id_in_subsession</a:t>
-            </a:r>
-            <a:endParaRPr lang="en-US" sz="2400" dirty="0" smtClean="0">
-              <a:latin typeface="Courier" charset="0"/>
-              <a:ea typeface="Courier" charset="0"/>
-              <a:cs typeface="Courier" charset="0"/>
-            </a:endParaRPr>
-          </a:p>
-          <a:p>
-            <a:r>
-              <a:rPr lang="en-US" sz="2400" dirty="0" smtClean="0">
-                <a:latin typeface="Courier" charset="0"/>
-                <a:ea typeface="Courier" charset="0"/>
-                <a:cs typeface="Courier" charset="0"/>
-              </a:rPr>
-              <a:t>payoff</a:t>
-            </a:r>
-          </a:p>
-          <a:p>
-            <a:r>
-              <a:rPr lang="en-US" sz="2400" dirty="0" err="1" smtClean="0">
-                <a:latin typeface="Courier" charset="0"/>
-                <a:ea typeface="Courier" charset="0"/>
-                <a:cs typeface="Courier" charset="0"/>
-              </a:rPr>
-              <a:t>round_number</a:t>
-            </a:r>
-            <a:endParaRPr lang="en-US" sz="2400" dirty="0" smtClean="0">
-              <a:latin typeface="Courier" charset="0"/>
-              <a:ea typeface="Courier" charset="0"/>
-              <a:cs typeface="Courier" charset="0"/>
-            </a:endParaRPr>
-          </a:p>
-          <a:p>
-            <a:r>
-              <a:rPr lang="en-US" sz="2400" dirty="0" smtClean="0"/>
-              <a:t>DB referrals</a:t>
-            </a:r>
-            <a:r>
-              <a:rPr lang="en-US" sz="2400" dirty="0" smtClean="0">
-                <a:latin typeface="Courier" charset="0"/>
-                <a:ea typeface="Courier" charset="0"/>
-                <a:cs typeface="Courier" charset="0"/>
-              </a:rPr>
-              <a:t>: participant, group, </a:t>
-            </a:r>
-            <a:r>
-              <a:rPr lang="en-US" sz="2400" dirty="0" err="1" smtClean="0">
-                <a:latin typeface="Courier" charset="0"/>
-                <a:ea typeface="Courier" charset="0"/>
-                <a:cs typeface="Courier" charset="0"/>
-              </a:rPr>
-              <a:t>subsession</a:t>
-            </a:r>
-            <a:r>
-              <a:rPr lang="en-US" sz="2400" dirty="0" smtClean="0">
-                <a:latin typeface="Courier" charset="0"/>
-                <a:ea typeface="Courier" charset="0"/>
-                <a:cs typeface="Courier" charset="0"/>
-              </a:rPr>
-              <a:t>, session</a:t>
-            </a:r>
-          </a:p>
-          <a:p>
-            <a:endParaRPr lang="en-US" sz="2400" dirty="0">
-              <a:latin typeface="Courier" charset="0"/>
-              <a:ea typeface="Courier" charset="0"/>
-              <a:cs typeface="Courier" charset="0"/>
-            </a:endParaRPr>
-          </a:p>
-          <a:p>
-            <a:r>
-              <a:rPr lang="en-US" b="1" u="sng" dirty="0">
-                <a:solidFill>
-                  <a:srgbClr val="FF0000"/>
-                </a:solidFill>
-              </a:rPr>
-              <a:t>built-in </a:t>
-            </a:r>
-            <a:r>
-              <a:rPr lang="en-US" b="1" u="sng" dirty="0" smtClean="0">
-                <a:solidFill>
-                  <a:srgbClr val="FF0000"/>
-                </a:solidFill>
-              </a:rPr>
-              <a:t>methods:</a:t>
-            </a:r>
-          </a:p>
-          <a:p>
-            <a:r>
-              <a:rPr lang="en-US" sz="2400" dirty="0" err="1" smtClean="0"/>
-              <a:t>get_others_in_group</a:t>
-            </a:r>
-            <a:r>
-              <a:rPr lang="en-US" sz="2400" dirty="0" smtClean="0"/>
-              <a:t>()</a:t>
-            </a:r>
-          </a:p>
-          <a:p>
-            <a:r>
-              <a:rPr lang="en-US" sz="2400" dirty="0" err="1" smtClean="0"/>
-              <a:t>get_others_in_subsession</a:t>
-            </a:r>
-            <a:r>
-              <a:rPr lang="en-US" sz="2400" dirty="0" smtClean="0"/>
-              <a:t>()</a:t>
-            </a:r>
-          </a:p>
-          <a:p>
-            <a:r>
-              <a:rPr lang="en-US" sz="2400" dirty="0" err="1" smtClean="0"/>
-              <a:t>in_round</a:t>
-            </a:r>
-            <a:r>
-              <a:rPr lang="en-US" sz="2400" dirty="0" smtClean="0"/>
-              <a:t>, </a:t>
-            </a:r>
-            <a:r>
-              <a:rPr lang="en-US" sz="2400" dirty="0" err="1" smtClean="0"/>
-              <a:t>in_previous_rounds</a:t>
-            </a:r>
-            <a:r>
-              <a:rPr lang="en-US" sz="2400" dirty="0" smtClean="0"/>
-              <a:t>, </a:t>
-            </a:r>
-            <a:r>
-              <a:rPr lang="en-US" sz="2400" dirty="0" err="1" smtClean="0"/>
-              <a:t>in_all_rounds</a:t>
-            </a:r>
-            <a:endParaRPr lang="en-US" sz="2400" dirty="0"/>
-          </a:p>
-          <a:p>
-            <a:endParaRPr lang="en-US" sz="2400" dirty="0">
-              <a:latin typeface="Courier" charset="0"/>
-              <a:ea typeface="Courier" charset="0"/>
-              <a:cs typeface="Courier" charset="0"/>
-            </a:endParaRPr>
+              <a:t>is_displayed</a:t>
+            </a:r>
+            <a:r>
+              <a:rPr lang="en-US" dirty="0" smtClean="0"/>
+              <a:t> method (as </a:t>
+            </a:r>
+            <a:r>
+              <a:rPr lang="en-US" dirty="0" smtClean="0"/>
+              <a:t>a normal </a:t>
+            </a:r>
+            <a:r>
+              <a:rPr lang="en-US" dirty="0" smtClean="0"/>
+              <a:t>Page)</a:t>
+            </a:r>
+            <a:endParaRPr lang="en-US" dirty="0"/>
           </a:p>
         </p:txBody>
       </p:sp>
     </p:spTree>
     <p:extLst>
       <p:ext uri="{BB962C8B-B14F-4D97-AF65-F5344CB8AC3E}">
-        <p14:creationId xmlns:p14="http://schemas.microsoft.com/office/powerpoint/2010/main" val="275114439"/>
+        <p14:creationId xmlns:p14="http://schemas.microsoft.com/office/powerpoint/2010/main" val="386376421"/>
       </p:ext>
     </p:extLst>
   </p:cSld>
@@ -5441,15 +5472,15 @@
           <a:lstStyle/>
           <a:p>
             <a:r>
-              <a:rPr lang="en-US" dirty="0" smtClean="0">
+              <a:rPr lang="en-US" smtClean="0">
                 <a:latin typeface="Courier" charset="0"/>
                 <a:ea typeface="Courier" charset="0"/>
                 <a:cs typeface="Courier" charset="0"/>
               </a:rPr>
-              <a:t>group </a:t>
-            </a:r>
-            <a:r>
-              <a:rPr lang="en-US" dirty="0" smtClean="0"/>
+              <a:t>player </a:t>
+            </a:r>
+            <a:r>
+              <a:rPr lang="en-US" smtClean="0"/>
               <a:t>model</a:t>
             </a:r>
             <a:endParaRPr lang="en-US" dirty="0"/>
@@ -5469,7 +5500,7 @@
         <p:spPr/>
         <p:txBody>
           <a:bodyPr>
-            <a:normAutofit lnSpcReduction="10000"/>
+            <a:normAutofit fontScale="92500" lnSpcReduction="20000"/>
           </a:bodyPr>
           <a:lstStyle/>
           <a:p>
@@ -5494,7 +5525,7 @@
                 <a:ea typeface="Courier" charset="0"/>
                 <a:cs typeface="Courier" charset="0"/>
               </a:rPr>
-              <a:t>id_in_subsession</a:t>
+              <a:t>id_in_group</a:t>
             </a:r>
             <a:endParaRPr lang="en-US" sz="2400" dirty="0" smtClean="0">
               <a:latin typeface="Courier" charset="0"/>
@@ -5509,7 +5540,7 @@
                 <a:ea typeface="Courier" charset="0"/>
                 <a:cs typeface="Courier" charset="0"/>
               </a:rPr>
-              <a:t>round_number</a:t>
+              <a:t>id_in_subsession</a:t>
             </a:r>
             <a:endParaRPr lang="en-US" sz="2400" dirty="0" smtClean="0">
               <a:latin typeface="Courier" charset="0"/>
@@ -5519,16 +5550,41 @@
           </a:p>
           <a:p>
             <a:r>
-              <a:rPr lang="en-US" sz="2400" dirty="0" smtClean="0"/>
-              <a:t>DB referrals</a:t>
-            </a:r>
-            <a:r>
               <a:rPr lang="en-US" sz="2400" dirty="0" smtClean="0">
                 <a:latin typeface="Courier" charset="0"/>
                 <a:ea typeface="Courier" charset="0"/>
                 <a:cs typeface="Courier" charset="0"/>
               </a:rPr>
-              <a:t>: </a:t>
+              <a:t>payoff</a:t>
+            </a:r>
+          </a:p>
+          <a:p>
+            <a:r>
+              <a:rPr lang="en-US" sz="2400" dirty="0" err="1" smtClean="0">
+                <a:latin typeface="Courier" charset="0"/>
+                <a:ea typeface="Courier" charset="0"/>
+                <a:cs typeface="Courier" charset="0"/>
+              </a:rPr>
+              <a:t>round_number</a:t>
+            </a:r>
+            <a:endParaRPr lang="en-US" sz="2400" dirty="0" smtClean="0">
+              <a:latin typeface="Courier" charset="0"/>
+              <a:ea typeface="Courier" charset="0"/>
+              <a:cs typeface="Courier" charset="0"/>
+            </a:endParaRPr>
+          </a:p>
+          <a:p>
+            <a:r>
+              <a:rPr lang="en-US" sz="2400" dirty="0" smtClean="0"/>
+              <a:t>DB referrals</a:t>
+            </a:r>
+            <a:r>
+              <a:rPr lang="en-US" sz="2400" dirty="0" smtClean="0">
+                <a:latin typeface="Courier" charset="0"/>
+                <a:ea typeface="Courier" charset="0"/>
+                <a:cs typeface="Courier" charset="0"/>
+              </a:rPr>
+              <a:t>: participant, group, </a:t>
             </a:r>
             <a:r>
               <a:rPr lang="en-US" sz="2400" dirty="0" err="1" smtClean="0">
@@ -5569,6 +5625,242 @@
                   <a:srgbClr val="FF0000"/>
                 </a:solidFill>
               </a:rPr>
+              <a:t>methods:</a:t>
+            </a:r>
+          </a:p>
+          <a:p>
+            <a:r>
+              <a:rPr lang="en-US" sz="2400" dirty="0" err="1" smtClean="0"/>
+              <a:t>get_others_in_group</a:t>
+            </a:r>
+            <a:r>
+              <a:rPr lang="en-US" sz="2400" dirty="0" smtClean="0"/>
+              <a:t>()</a:t>
+            </a:r>
+          </a:p>
+          <a:p>
+            <a:r>
+              <a:rPr lang="en-US" sz="2400" dirty="0" err="1" smtClean="0"/>
+              <a:t>get_others_in_subsession</a:t>
+            </a:r>
+            <a:r>
+              <a:rPr lang="en-US" sz="2400" dirty="0" smtClean="0"/>
+              <a:t>()</a:t>
+            </a:r>
+          </a:p>
+          <a:p>
+            <a:r>
+              <a:rPr lang="en-US" sz="2400" dirty="0" err="1" smtClean="0"/>
+              <a:t>in_round</a:t>
+            </a:r>
+            <a:r>
+              <a:rPr lang="en-US" sz="2400" dirty="0" smtClean="0"/>
+              <a:t>, </a:t>
+            </a:r>
+            <a:r>
+              <a:rPr lang="en-US" sz="2400" dirty="0" err="1" smtClean="0"/>
+              <a:t>in_previous_rounds</a:t>
+            </a:r>
+            <a:r>
+              <a:rPr lang="en-US" sz="2400" dirty="0" smtClean="0"/>
+              <a:t>, </a:t>
+            </a:r>
+            <a:r>
+              <a:rPr lang="en-US" sz="2400" dirty="0" err="1" smtClean="0"/>
+              <a:t>in_all_rounds</a:t>
+            </a:r>
+            <a:endParaRPr lang="en-US" sz="2400" dirty="0"/>
+          </a:p>
+          <a:p>
+            <a:endParaRPr lang="en-US" sz="2400" dirty="0">
+              <a:latin typeface="Courier" charset="0"/>
+              <a:ea typeface="Courier" charset="0"/>
+              <a:cs typeface="Courier" charset="0"/>
+            </a:endParaRPr>
+          </a:p>
+        </p:txBody>
+      </p:sp>
+    </p:spTree>
+    <p:extLst>
+      <p:ext uri="{BB962C8B-B14F-4D97-AF65-F5344CB8AC3E}">
+        <p14:creationId xmlns:p14="http://schemas.microsoft.com/office/powerpoint/2010/main" val="275114439"/>
+      </p:ext>
+    </p:extLst>
+  </p:cSld>
+  <p:clrMapOvr>
+    <a:masterClrMapping/>
+  </p:clrMapOvr>
+  <p:timing>
+    <p:tnLst>
+      <p:par>
+        <p:cTn id="1" dur="indefinite" restart="never" nodeType="tmRoot"/>
+      </p:par>
+    </p:tnLst>
+  </p:timing>
+</p:sld>
+</file>
+
+<file path=ppt/slides/slide16.xml><?xml version="1.0" encoding="utf-8"?>
+<p:sld xmlns:a="http://schemas.openxmlformats.org/drawingml/2006/main" xmlns:r="http://schemas.openxmlformats.org/officeDocument/2006/relationships" xmlns:p="http://schemas.openxmlformats.org/presentationml/2006/main">
+  <p:cSld>
+    <p:spTree>
+      <p:nvGrpSpPr>
+        <p:cNvPr id="1" name=""/>
+        <p:cNvGrpSpPr/>
+        <p:nvPr/>
+      </p:nvGrpSpPr>
+      <p:grpSpPr>
+        <a:xfrm>
+          <a:off x="0" y="0"/>
+          <a:ext cx="0" cy="0"/>
+          <a:chOff x="0" y="0"/>
+          <a:chExt cx="0" cy="0"/>
+        </a:xfrm>
+      </p:grpSpPr>
+      <p:sp>
+        <p:nvSpPr>
+          <p:cNvPr id="2" name="Title 1"/>
+          <p:cNvSpPr>
+            <a:spLocks noGrp="1"/>
+          </p:cNvSpPr>
+          <p:nvPr>
+            <p:ph type="title"/>
+          </p:nvPr>
+        </p:nvSpPr>
+        <p:spPr/>
+        <p:txBody>
+          <a:bodyPr/>
+          <a:lstStyle/>
+          <a:p>
+            <a:r>
+              <a:rPr lang="en-US" dirty="0" smtClean="0">
+                <a:latin typeface="Courier" charset="0"/>
+                <a:ea typeface="Courier" charset="0"/>
+                <a:cs typeface="Courier" charset="0"/>
+              </a:rPr>
+              <a:t>group </a:t>
+            </a:r>
+            <a:r>
+              <a:rPr lang="en-US" dirty="0" smtClean="0"/>
+              <a:t>model</a:t>
+            </a:r>
+            <a:endParaRPr lang="en-US" dirty="0"/>
+          </a:p>
+        </p:txBody>
+      </p:sp>
+      <p:sp>
+        <p:nvSpPr>
+          <p:cNvPr id="4" name="Content Placeholder 3"/>
+          <p:cNvSpPr>
+            <a:spLocks noGrp="1"/>
+          </p:cNvSpPr>
+          <p:nvPr>
+            <p:ph idx="1"/>
+          </p:nvPr>
+        </p:nvSpPr>
+        <p:spPr/>
+        <p:txBody>
+          <a:bodyPr>
+            <a:normAutofit lnSpcReduction="10000"/>
+          </a:bodyPr>
+          <a:lstStyle/>
+          <a:p>
+            <a:pPr>
+              <a:lnSpc>
+                <a:spcPct val="100000"/>
+              </a:lnSpc>
+            </a:pPr>
+            <a:r>
+              <a:rPr lang="en-US" b="1" u="sng" dirty="0">
+                <a:solidFill>
+                  <a:srgbClr val="FF0000"/>
+                </a:solidFill>
+              </a:rPr>
+              <a:t>built-in attributes:</a:t>
+            </a:r>
+          </a:p>
+          <a:p>
+            <a:r>
+              <a:rPr lang="en-US" sz="2400" dirty="0" err="1" smtClean="0">
+                <a:latin typeface="Courier" charset="0"/>
+                <a:ea typeface="Courier" charset="0"/>
+                <a:cs typeface="Courier" charset="0"/>
+              </a:rPr>
+              <a:t>id_in_subsession</a:t>
+            </a:r>
+            <a:endParaRPr lang="en-US" sz="2400" dirty="0" smtClean="0">
+              <a:latin typeface="Courier" charset="0"/>
+              <a:ea typeface="Courier" charset="0"/>
+              <a:cs typeface="Courier" charset="0"/>
+            </a:endParaRPr>
+          </a:p>
+          <a:p>
+            <a:r>
+              <a:rPr lang="en-US" sz="2400" dirty="0" err="1" smtClean="0">
+                <a:latin typeface="Courier" charset="0"/>
+                <a:ea typeface="Courier" charset="0"/>
+                <a:cs typeface="Courier" charset="0"/>
+              </a:rPr>
+              <a:t>round_number</a:t>
+            </a:r>
+            <a:endParaRPr lang="en-US" sz="2400" dirty="0" smtClean="0">
+              <a:latin typeface="Courier" charset="0"/>
+              <a:ea typeface="Courier" charset="0"/>
+              <a:cs typeface="Courier" charset="0"/>
+            </a:endParaRPr>
+          </a:p>
+          <a:p>
+            <a:r>
+              <a:rPr lang="en-US" sz="2400" dirty="0" smtClean="0"/>
+              <a:t>DB referrals</a:t>
+            </a:r>
+            <a:r>
+              <a:rPr lang="en-US" sz="2400" dirty="0" smtClean="0">
+                <a:latin typeface="Courier" charset="0"/>
+                <a:ea typeface="Courier" charset="0"/>
+                <a:cs typeface="Courier" charset="0"/>
+              </a:rPr>
+              <a:t>: </a:t>
+            </a:r>
+            <a:r>
+              <a:rPr lang="en-US" sz="2400" dirty="0" err="1" smtClean="0">
+                <a:latin typeface="Courier" charset="0"/>
+                <a:ea typeface="Courier" charset="0"/>
+                <a:cs typeface="Courier" charset="0"/>
+              </a:rPr>
+              <a:t>subsession</a:t>
+            </a:r>
+            <a:r>
+              <a:rPr lang="en-US" sz="2400" dirty="0" smtClean="0">
+                <a:latin typeface="Courier" charset="0"/>
+                <a:ea typeface="Courier" charset="0"/>
+                <a:cs typeface="Courier" charset="0"/>
+              </a:rPr>
+              <a:t>, session</a:t>
+            </a:r>
+          </a:p>
+          <a:p>
+            <a:endParaRPr lang="en-US" sz="2400" dirty="0">
+              <a:latin typeface="Courier" charset="0"/>
+              <a:ea typeface="Courier" charset="0"/>
+              <a:cs typeface="Courier" charset="0"/>
+            </a:endParaRPr>
+          </a:p>
+          <a:p>
+            <a:r>
+              <a:rPr lang="en-US" b="1" u="sng" dirty="0">
+                <a:solidFill>
+                  <a:srgbClr val="FF0000"/>
+                </a:solidFill>
+              </a:rPr>
+              <a:t>built-in </a:t>
+            </a:r>
+            <a:r>
+              <a:rPr lang="en-US" b="1" u="sng" dirty="0" smtClean="0">
+                <a:solidFill>
+                  <a:srgbClr val="FF0000"/>
+                </a:solidFill>
+              </a:rPr>
               <a:t>methods (not full list!):</a:t>
             </a:r>
             <a:endParaRPr lang="en-US" b="1" u="sng" dirty="0" smtClean="0">
@@ -5660,6 +5952,471 @@
     <p:extLst>
       <p:ext uri="{BB962C8B-B14F-4D97-AF65-F5344CB8AC3E}">
         <p14:creationId xmlns:p14="http://schemas.microsoft.com/office/powerpoint/2010/main" val="1087833394"/>
+      </p:ext>
+    </p:extLst>
+  </p:cSld>
+  <p:clrMapOvr>
+    <a:masterClrMapping/>
+  </p:clrMapOvr>
+  <p:timing>
+    <p:tnLst>
+      <p:par>
+        <p:cTn id="1" dur="indefinite" restart="never" nodeType="tmRoot"/>
+      </p:par>
+    </p:tnLst>
+  </p:timing>
+</p:sld>
+</file>
+
+<file path=ppt/slides/slide17.xml><?xml version="1.0" encoding="utf-8"?>
+<p:sld xmlns:a="http://schemas.openxmlformats.org/drawingml/2006/main" xmlns:r="http://schemas.openxmlformats.org/officeDocument/2006/relationships" xmlns:p="http://schemas.openxmlformats.org/presentationml/2006/main">
+  <p:cSld>
+    <p:spTree>
+      <p:nvGrpSpPr>
+        <p:cNvPr id="1" name=""/>
+        <p:cNvGrpSpPr/>
+        <p:nvPr/>
+      </p:nvGrpSpPr>
+      <p:grpSpPr>
+        <a:xfrm>
+          <a:off x="0" y="0"/>
+          <a:ext cx="0" cy="0"/>
+          <a:chOff x="0" y="0"/>
+          <a:chExt cx="0" cy="0"/>
+        </a:xfrm>
+      </p:grpSpPr>
+      <p:sp>
+        <p:nvSpPr>
+          <p:cNvPr id="2" name="Title 1"/>
+          <p:cNvSpPr>
+            <a:spLocks noGrp="1"/>
+          </p:cNvSpPr>
+          <p:nvPr>
+            <p:ph type="title"/>
+          </p:nvPr>
+        </p:nvSpPr>
+        <p:spPr/>
+        <p:txBody>
+          <a:bodyPr/>
+          <a:lstStyle/>
+          <a:p>
+            <a:r>
+              <a:rPr lang="en-US" smtClean="0"/>
+              <a:t>Creating payoffs function</a:t>
+            </a:r>
+            <a:endParaRPr lang="en-US" dirty="0"/>
+          </a:p>
+        </p:txBody>
+      </p:sp>
+      <p:sp>
+        <p:nvSpPr>
+          <p:cNvPr id="7" name="Content Placeholder 6"/>
+          <p:cNvSpPr>
+            <a:spLocks noGrp="1"/>
+          </p:cNvSpPr>
+          <p:nvPr>
+            <p:ph idx="1"/>
+          </p:nvPr>
+        </p:nvSpPr>
+        <p:spPr>
+          <a:xfrm>
+            <a:off x="838200" y="5233212"/>
+            <a:ext cx="10515600" cy="943751"/>
+          </a:xfrm>
+        </p:spPr>
+        <p:txBody>
+          <a:bodyPr>
+            <a:normAutofit fontScale="85000" lnSpcReduction="10000"/>
+          </a:bodyPr>
+          <a:lstStyle/>
+          <a:p>
+            <a:r>
+              <a:rPr lang="en-US" dirty="0" smtClean="0"/>
+              <a:t>You can create as many custom methods within each Class as you need!</a:t>
+            </a:r>
+          </a:p>
+          <a:p>
+            <a:r>
+              <a:rPr lang="en-US" dirty="0" smtClean="0"/>
+              <a:t>Task: create a function that will return a custom role name </a:t>
+            </a:r>
+            <a:endParaRPr lang="en-US" dirty="0"/>
+          </a:p>
+        </p:txBody>
+      </p:sp>
+      <p:sp>
+        <p:nvSpPr>
+          <p:cNvPr id="4" name="Rectangle 3"/>
+          <p:cNvSpPr/>
+          <p:nvPr/>
+        </p:nvSpPr>
+        <p:spPr>
+          <a:xfrm>
+            <a:off x="238125" y="1892290"/>
+            <a:ext cx="11715750" cy="3139321"/>
+          </a:xfrm>
+          <a:prstGeom prst="rect">
+            <a:avLst/>
+          </a:prstGeom>
+        </p:spPr>
+        <p:txBody>
+          <a:bodyPr wrap="square">
+            <a:spAutoFit/>
+          </a:bodyPr>
+          <a:lstStyle/>
+          <a:p>
+            <a:r>
+              <a:rPr lang="en-US" sz="2200" dirty="0">
+                <a:solidFill>
+                  <a:srgbClr val="CC7832"/>
+                </a:solidFill>
+              </a:rPr>
+              <a:t>class </a:t>
+            </a:r>
+            <a:r>
+              <a:rPr lang="en-US" sz="2200" dirty="0"/>
+              <a:t>Group(</a:t>
+            </a:r>
+            <a:r>
+              <a:rPr lang="en-US" sz="2200" dirty="0" err="1"/>
+              <a:t>BaseGroup</a:t>
+            </a:r>
+            <a:r>
+              <a:rPr lang="en-US" sz="2200" dirty="0"/>
+              <a:t>):</a:t>
+            </a:r>
+            <a:br>
+              <a:rPr lang="en-US" sz="2200" dirty="0"/>
+            </a:br>
+            <a:r>
+              <a:rPr lang="en-US" sz="2200" dirty="0"/>
+              <a:t>    send = </a:t>
+            </a:r>
+            <a:r>
+              <a:rPr lang="en-US" sz="2200" dirty="0" err="1"/>
+              <a:t>models.CurrencyField</a:t>
+            </a:r>
+            <a:r>
+              <a:rPr lang="en-US" sz="2200" dirty="0"/>
+              <a:t>(</a:t>
+            </a:r>
+            <a:r>
+              <a:rPr lang="en-US" sz="2200" dirty="0">
+                <a:solidFill>
+                  <a:srgbClr val="AA4926"/>
+                </a:solidFill>
+              </a:rPr>
+              <a:t>doc</a:t>
+            </a:r>
+            <a:r>
+              <a:rPr lang="en-US" sz="2200" dirty="0"/>
+              <a:t>=</a:t>
+            </a:r>
+            <a:r>
+              <a:rPr lang="en-US" sz="2200" dirty="0">
+                <a:solidFill>
+                  <a:srgbClr val="6A8759"/>
+                </a:solidFill>
+              </a:rPr>
+              <a:t>'amount sent by trustor'</a:t>
+            </a:r>
+            <a:r>
+              <a:rPr lang="en-US" sz="2200" dirty="0"/>
+              <a:t>)</a:t>
+            </a:r>
+            <a:br>
+              <a:rPr lang="en-US" sz="2200" dirty="0"/>
+            </a:br>
+            <a:r>
+              <a:rPr lang="en-US" sz="2200" dirty="0"/>
+              <a:t>    </a:t>
+            </a:r>
+            <a:r>
+              <a:rPr lang="en-US" sz="2200" dirty="0" err="1"/>
+              <a:t>send_back</a:t>
+            </a:r>
+            <a:r>
+              <a:rPr lang="en-US" sz="2200" dirty="0"/>
+              <a:t> = </a:t>
+            </a:r>
+            <a:r>
+              <a:rPr lang="en-US" sz="2200" dirty="0" err="1"/>
+              <a:t>models.CurrencyField</a:t>
+            </a:r>
+            <a:r>
+              <a:rPr lang="en-US" sz="2200" dirty="0"/>
+              <a:t>(</a:t>
+            </a:r>
+            <a:r>
+              <a:rPr lang="en-US" sz="2200" dirty="0">
+                <a:solidFill>
+                  <a:srgbClr val="AA4926"/>
+                </a:solidFill>
+              </a:rPr>
+              <a:t>doc</a:t>
+            </a:r>
+            <a:r>
+              <a:rPr lang="en-US" sz="2200" dirty="0"/>
+              <a:t>=</a:t>
+            </a:r>
+            <a:r>
+              <a:rPr lang="en-US" sz="2200" dirty="0">
+                <a:solidFill>
+                  <a:srgbClr val="6A8759"/>
+                </a:solidFill>
+              </a:rPr>
+              <a:t>'amount sent back by trustee'</a:t>
+            </a:r>
+            <a:r>
+              <a:rPr lang="en-US" sz="2200" dirty="0"/>
+              <a:t>)</a:t>
+            </a:r>
+            <a:br>
+              <a:rPr lang="en-US" sz="2200" dirty="0"/>
+            </a:br>
+            <a:r>
+              <a:rPr lang="en-US" sz="2200" dirty="0"/>
+              <a:t/>
+            </a:r>
+            <a:br>
+              <a:rPr lang="en-US" sz="2200" dirty="0"/>
+            </a:br>
+            <a:r>
+              <a:rPr lang="en-US" sz="2200" dirty="0"/>
+              <a:t>    </a:t>
+            </a:r>
+            <a:r>
+              <a:rPr lang="en-US" sz="2200" dirty="0" err="1">
+                <a:solidFill>
+                  <a:srgbClr val="CC7832"/>
+                </a:solidFill>
+              </a:rPr>
+              <a:t>def</a:t>
+            </a:r>
+            <a:r>
+              <a:rPr lang="en-US" sz="2200" dirty="0">
+                <a:solidFill>
+                  <a:srgbClr val="CC7832"/>
+                </a:solidFill>
+              </a:rPr>
+              <a:t> </a:t>
+            </a:r>
+            <a:r>
+              <a:rPr lang="en-US" sz="2200" dirty="0" err="1">
+                <a:solidFill>
+                  <a:srgbClr val="FFC66D"/>
+                </a:solidFill>
+              </a:rPr>
+              <a:t>set_payoffs</a:t>
+            </a:r>
+            <a:r>
+              <a:rPr lang="en-US" sz="2200" dirty="0"/>
+              <a:t>(</a:t>
+            </a:r>
+            <a:r>
+              <a:rPr lang="en-US" sz="2200" dirty="0">
+                <a:solidFill>
+                  <a:srgbClr val="94558D"/>
+                </a:solidFill>
+              </a:rPr>
+              <a:t>self</a:t>
+            </a:r>
+            <a:r>
+              <a:rPr lang="en-US" sz="2200" dirty="0"/>
+              <a:t>):</a:t>
+            </a:r>
+            <a:br>
+              <a:rPr lang="en-US" sz="2200" dirty="0"/>
+            </a:br>
+            <a:r>
+              <a:rPr lang="en-US" sz="2200" dirty="0"/>
+              <a:t>        trustor = </a:t>
+            </a:r>
+            <a:r>
+              <a:rPr lang="en-US" sz="2200" dirty="0" err="1">
+                <a:solidFill>
+                  <a:srgbClr val="94558D"/>
+                </a:solidFill>
+              </a:rPr>
+              <a:t>self</a:t>
+            </a:r>
+            <a:r>
+              <a:rPr lang="en-US" sz="2200" dirty="0" err="1"/>
+              <a:t>.get_player_by_role</a:t>
+            </a:r>
+            <a:r>
+              <a:rPr lang="en-US" sz="2200" dirty="0"/>
+              <a:t>(</a:t>
+            </a:r>
+            <a:r>
+              <a:rPr lang="en-US" sz="2200" dirty="0">
+                <a:solidFill>
+                  <a:srgbClr val="6A8759"/>
+                </a:solidFill>
+              </a:rPr>
+              <a:t>'trustor'</a:t>
+            </a:r>
+            <a:r>
+              <a:rPr lang="en-US" sz="2200" dirty="0"/>
+              <a:t>)</a:t>
+            </a:r>
+            <a:br>
+              <a:rPr lang="en-US" sz="2200" dirty="0"/>
+            </a:br>
+            <a:r>
+              <a:rPr lang="en-US" sz="2200" dirty="0"/>
+              <a:t>        trustee = </a:t>
+            </a:r>
+            <a:r>
+              <a:rPr lang="en-US" sz="2200" dirty="0" err="1">
+                <a:solidFill>
+                  <a:srgbClr val="94558D"/>
+                </a:solidFill>
+              </a:rPr>
+              <a:t>self</a:t>
+            </a:r>
+            <a:r>
+              <a:rPr lang="en-US" sz="2200" dirty="0" err="1"/>
+              <a:t>.get_player_by_role</a:t>
+            </a:r>
+            <a:r>
+              <a:rPr lang="en-US" sz="2200" dirty="0"/>
+              <a:t>(</a:t>
+            </a:r>
+            <a:r>
+              <a:rPr lang="en-US" sz="2200" dirty="0">
+                <a:solidFill>
+                  <a:srgbClr val="6A8759"/>
+                </a:solidFill>
+              </a:rPr>
+              <a:t>'trustee'</a:t>
+            </a:r>
+            <a:r>
+              <a:rPr lang="en-US" sz="2200" dirty="0"/>
+              <a:t>)</a:t>
+            </a:r>
+            <a:br>
+              <a:rPr lang="en-US" sz="2200" dirty="0"/>
+            </a:br>
+            <a:r>
+              <a:rPr lang="en-US" sz="2200" dirty="0"/>
+              <a:t>        </a:t>
+            </a:r>
+            <a:r>
+              <a:rPr lang="en-US" sz="2200" dirty="0" err="1"/>
+              <a:t>trustor.payoff</a:t>
+            </a:r>
+            <a:r>
+              <a:rPr lang="en-US" sz="2200" dirty="0"/>
+              <a:t> = </a:t>
+            </a:r>
+            <a:r>
+              <a:rPr lang="en-US" sz="2200" dirty="0" err="1"/>
+              <a:t>Constants.endowment</a:t>
+            </a:r>
+            <a:r>
+              <a:rPr lang="en-US" sz="2200" dirty="0"/>
+              <a:t> - </a:t>
+            </a:r>
+            <a:r>
+              <a:rPr lang="en-US" sz="2200" dirty="0" err="1">
+                <a:solidFill>
+                  <a:srgbClr val="94558D"/>
+                </a:solidFill>
+              </a:rPr>
+              <a:t>self</a:t>
+            </a:r>
+            <a:r>
+              <a:rPr lang="en-US" sz="2200" dirty="0" err="1"/>
+              <a:t>.send</a:t>
+            </a:r>
+            <a:r>
+              <a:rPr lang="en-US" sz="2200" dirty="0"/>
+              <a:t> + </a:t>
+            </a:r>
+            <a:r>
+              <a:rPr lang="en-US" sz="2200" dirty="0" err="1">
+                <a:solidFill>
+                  <a:srgbClr val="94558D"/>
+                </a:solidFill>
+              </a:rPr>
+              <a:t>self</a:t>
+            </a:r>
+            <a:r>
+              <a:rPr lang="en-US" sz="2200" dirty="0" err="1"/>
+              <a:t>.send_back</a:t>
+            </a:r>
+            <a:r>
+              <a:rPr lang="en-US" sz="2200" dirty="0"/>
+              <a:t/>
+            </a:r>
+            <a:br>
+              <a:rPr lang="en-US" sz="2200" dirty="0"/>
+            </a:br>
+            <a:r>
+              <a:rPr lang="en-US" sz="2200" dirty="0"/>
+              <a:t>        </a:t>
+            </a:r>
+            <a:r>
+              <a:rPr lang="en-US" sz="2200" dirty="0" err="1"/>
+              <a:t>trustee.payoff</a:t>
+            </a:r>
+            <a:r>
+              <a:rPr lang="en-US" sz="2200" dirty="0"/>
+              <a:t> = </a:t>
+            </a:r>
+            <a:r>
+              <a:rPr lang="en-US" sz="2200" dirty="0" err="1"/>
+              <a:t>Constants.endowment</a:t>
+            </a:r>
+            <a:r>
+              <a:rPr lang="en-US" sz="2200" dirty="0"/>
+              <a:t> + </a:t>
+            </a:r>
+            <a:r>
+              <a:rPr lang="en-US" sz="2200" dirty="0" err="1">
+                <a:solidFill>
+                  <a:srgbClr val="94558D"/>
+                </a:solidFill>
+              </a:rPr>
+              <a:t>self</a:t>
+            </a:r>
+            <a:r>
+              <a:rPr lang="en-US" sz="2200" dirty="0" err="1"/>
+              <a:t>.send</a:t>
+            </a:r>
+            <a:r>
+              <a:rPr lang="en-US" sz="2200" dirty="0"/>
+              <a:t> * </a:t>
+            </a:r>
+            <a:r>
+              <a:rPr lang="en-US" sz="2200" dirty="0" err="1"/>
+              <a:t>Constants.coef</a:t>
+            </a:r>
+            <a:r>
+              <a:rPr lang="en-US" sz="2200" dirty="0"/>
+              <a:t> - </a:t>
+            </a:r>
+            <a:r>
+              <a:rPr lang="en-US" sz="2200" dirty="0" err="1">
+                <a:solidFill>
+                  <a:srgbClr val="94558D"/>
+                </a:solidFill>
+              </a:rPr>
+              <a:t>self</a:t>
+            </a:r>
+            <a:r>
+              <a:rPr lang="en-US" sz="2200" dirty="0" err="1"/>
+              <a:t>.send_back</a:t>
+            </a:r>
+            <a:endParaRPr lang="en-US" sz="2200" dirty="0"/>
+          </a:p>
+        </p:txBody>
+      </p:sp>
+    </p:spTree>
+    <p:extLst>
+      <p:ext uri="{BB962C8B-B14F-4D97-AF65-F5344CB8AC3E}">
+        <p14:creationId xmlns:p14="http://schemas.microsoft.com/office/powerpoint/2010/main" val="368927906"/>
       </p:ext>
     </p:extLst>
   </p:cSld>
@@ -6239,10 +6996,105 @@
           <a:lstStyle/>
           <a:p>
             <a:r>
-              <a:rPr lang="en-US" dirty="0" smtClean="0"/>
+              <a:rPr lang="en-US" smtClean="0"/>
               <a:t>Roles</a:t>
             </a:r>
             <a:endParaRPr lang="en-US" dirty="0"/>
+          </a:p>
+        </p:txBody>
+      </p:sp>
+      <p:sp>
+        <p:nvSpPr>
+          <p:cNvPr id="6" name="Content Placeholder 5"/>
+          <p:cNvSpPr>
+            <a:spLocks noGrp="1"/>
+          </p:cNvSpPr>
+          <p:nvPr>
+            <p:ph idx="1"/>
+          </p:nvPr>
+        </p:nvSpPr>
+        <p:spPr>
+          <a:xfrm>
+            <a:off x="838200" y="5162549"/>
+            <a:ext cx="10515600" cy="1014413"/>
+          </a:xfrm>
+        </p:spPr>
+        <p:txBody>
+          <a:bodyPr>
+            <a:normAutofit/>
+          </a:bodyPr>
+          <a:lstStyle/>
+          <a:p>
+            <a:r>
+              <a:rPr lang="en-US" dirty="0" smtClean="0"/>
+              <a:t>Later on:</a:t>
+            </a:r>
+            <a:r>
+              <a:rPr lang="en-US" dirty="0" smtClean="0">
+                <a:latin typeface="Menlo" charset="0"/>
+                <a:ea typeface="Menlo" charset="0"/>
+                <a:cs typeface="Menlo" charset="0"/>
+              </a:rPr>
+              <a:t> </a:t>
+            </a:r>
+            <a:r>
+              <a:rPr lang="en-US" dirty="0" err="1" smtClean="0">
+                <a:latin typeface="Menlo" charset="0"/>
+                <a:ea typeface="Menlo" charset="0"/>
+                <a:cs typeface="Menlo" charset="0"/>
+              </a:rPr>
+              <a:t>group.get_player_by_role</a:t>
+            </a:r>
+            <a:r>
+              <a:rPr lang="en-US" dirty="0" smtClean="0">
+                <a:latin typeface="Menlo" charset="0"/>
+                <a:ea typeface="Menlo" charset="0"/>
+                <a:cs typeface="Menlo" charset="0"/>
+              </a:rPr>
+              <a:t>('trustor')</a:t>
+            </a:r>
+          </a:p>
+          <a:p>
+            <a:r>
+              <a:rPr lang="en-US" dirty="0" smtClean="0"/>
+              <a:t>Why we can't just use </a:t>
+            </a:r>
+            <a:r>
+              <a:rPr lang="en-US" dirty="0" err="1" smtClean="0">
+                <a:latin typeface="Menlo" charset="0"/>
+                <a:ea typeface="Menlo" charset="0"/>
+                <a:cs typeface="Menlo" charset="0"/>
+              </a:rPr>
+              <a:t>get_player_by_id</a:t>
+            </a:r>
+            <a:r>
+              <a:rPr lang="en-US" dirty="0" smtClean="0">
+                <a:latin typeface="Menlo" charset="0"/>
+                <a:ea typeface="Menlo" charset="0"/>
+                <a:cs typeface="Menlo" charset="0"/>
+              </a:rPr>
+              <a:t>(1)</a:t>
+            </a:r>
+            <a:r>
+              <a:rPr lang="en-US" dirty="0" smtClean="0">
+                <a:latin typeface="+mn-lt"/>
+                <a:ea typeface="Menlo" charset="0"/>
+                <a:cs typeface="Menlo" charset="0"/>
+              </a:rPr>
+              <a:t>?!</a:t>
+            </a:r>
+            <a:endParaRPr lang="en-US" dirty="0">
+              <a:latin typeface="+mn-lt"/>
+              <a:ea typeface="Menlo" charset="0"/>
+              <a:cs typeface="Menlo" charset="0"/>
+            </a:endParaRPr>
+          </a:p>
+          <a:p>
+            <a:endParaRPr lang="en-US" dirty="0">
+              <a:latin typeface="Menlo" charset="0"/>
+              <a:ea typeface="Menlo" charset="0"/>
+              <a:cs typeface="Menlo" charset="0"/>
+            </a:endParaRPr>
           </a:p>
         </p:txBody>
       </p:sp>
@@ -6254,7 +7106,7 @@
         </p:nvSpPr>
         <p:spPr>
           <a:xfrm>
-            <a:off x="2314575" y="2563178"/>
+            <a:off x="2314575" y="1934528"/>
             <a:ext cx="7562850" cy="2092881"/>
           </a:xfrm>
           <a:prstGeom prst="rect">
@@ -6610,7 +7462,7 @@
           <a:p>
             <a:r>
               <a:rPr lang="en-US" dirty="0" smtClean="0"/>
-              <a:t>Three steps to get input from user</a:t>
+              <a:t>Three steps to add a new Page</a:t>
             </a:r>
             <a:endParaRPr lang="en-US" dirty="0"/>
           </a:p>
@@ -6636,11 +7488,11 @@
             </a:pPr>
             <a:r>
               <a:rPr lang="en-US" dirty="0" smtClean="0"/>
-              <a:t>Define model field in </a:t>
+              <a:t>Add Page class definition to </a:t>
             </a:r>
             <a:r>
               <a:rPr lang="en-US" dirty="0" err="1" smtClean="0"/>
-              <a:t>models.py</a:t>
+              <a:t>pages.py</a:t>
             </a:r>
             <a:endParaRPr lang="en-US" dirty="0" smtClean="0"/>
           </a:p>
@@ -6650,27 +7502,11 @@
             </a:pPr>
             <a:r>
               <a:rPr lang="en-US" dirty="0" smtClean="0"/>
-              <a:t>Add </a:t>
+              <a:t>Add page reference to </a:t>
             </a:r>
             <a:r>
               <a:rPr lang="en-US" dirty="0" err="1" smtClean="0"/>
-              <a:t>form_fields</a:t>
-            </a:r>
-            <a:r>
-              <a:rPr lang="en-US" dirty="0" smtClean="0"/>
-              <a:t> and </a:t>
-            </a:r>
-            <a:r>
-              <a:rPr lang="en-US" dirty="0" err="1" smtClean="0"/>
-              <a:t>form_model</a:t>
-            </a:r>
-            <a:r>
-              <a:rPr lang="en-US" dirty="0" smtClean="0"/>
-              <a:t> to a corresponding Page in </a:t>
-            </a:r>
-            <a:r>
-              <a:rPr lang="en-US" dirty="0" err="1" smtClean="0"/>
-              <a:t>pages.py</a:t>
+              <a:t>page_sequence</a:t>
             </a:r>
             <a:endParaRPr lang="en-US" dirty="0" smtClean="0"/>
           </a:p>
@@ -6680,24 +7516,28 @@
             </a:pPr>
             <a:r>
               <a:rPr lang="en-US" dirty="0" smtClean="0"/>
-              <a:t>Add {% </a:t>
+              <a:t>Create </a:t>
             </a:r>
             <a:r>
               <a:rPr lang="en-US" dirty="0" err="1" smtClean="0"/>
-              <a:t>formfields</a:t>
-            </a:r>
-            <a:r>
-              <a:rPr lang="en-US" dirty="0" smtClean="0"/>
-              <a:t> %} in the Page template</a:t>
-            </a:r>
-            <a:endParaRPr lang="en-US" dirty="0"/>
+              <a:t>PageName.html</a:t>
+            </a:r>
+            <a:r>
+              <a:rPr lang="en-US" dirty="0" smtClean="0"/>
+              <a:t> in </a:t>
+            </a:r>
+            <a:r>
+              <a:rPr lang="en-US" smtClean="0"/>
+              <a:t>app/templates/app folder</a:t>
+            </a:r>
+            <a:endParaRPr lang="en-US"/>
           </a:p>
         </p:txBody>
       </p:sp>
     </p:spTree>
     <p:extLst>
       <p:ext uri="{BB962C8B-B14F-4D97-AF65-F5344CB8AC3E}">
-        <p14:creationId xmlns:p14="http://schemas.microsoft.com/office/powerpoint/2010/main" val="488471085"/>
+        <p14:creationId xmlns:p14="http://schemas.microsoft.com/office/powerpoint/2010/main" val="1579468797"/>
       </p:ext>
     </p:extLst>
   </p:cSld>
@@ -6740,22 +7580,10 @@
           <a:lstStyle/>
           <a:p>
             <a:r>
-              <a:rPr lang="en-US" smtClean="0"/>
-              <a:t>Anatomy of an oTree </a:t>
-            </a:r>
-            <a:r>
-              <a:rPr lang="en-US" smtClean="0">
-                <a:latin typeface="Courier" charset="0"/>
-                <a:ea typeface="Courier" charset="0"/>
-                <a:cs typeface="Courier" charset="0"/>
-              </a:rPr>
-              <a:t>Page</a:t>
-            </a:r>
-            <a:endParaRPr lang="en-US">
-              <a:latin typeface="Courier" charset="0"/>
-              <a:ea typeface="Courier" charset="0"/>
-              <a:cs typeface="Courier" charset="0"/>
-            </a:endParaRPr>
+              <a:rPr lang="en-US" dirty="0" smtClean="0"/>
+              <a:t>Three steps to get input from user</a:t>
+            </a:r>
+            <a:endParaRPr lang="en-US" dirty="0"/>
           </a:p>
         </p:txBody>
       </p:sp>
@@ -6771,134 +7599,82 @@
         </p:nvSpPr>
         <p:spPr/>
         <p:txBody>
-          <a:bodyPr>
-            <a:normAutofit lnSpcReduction="10000"/>
-          </a:bodyPr>
-          <a:lstStyle/>
-          <a:p>
-            <a:pPr lvl="0"/>
-            <a:r>
-              <a:rPr lang="en-US" dirty="0" smtClean="0"/>
-              <a:t>Page creation:</a:t>
-            </a:r>
-          </a:p>
-          <a:p>
-            <a:pPr lvl="1"/>
-            <a:r>
-              <a:rPr lang="en-US" dirty="0" smtClean="0"/>
-              <a:t>class definition</a:t>
-            </a:r>
-          </a:p>
-          <a:p>
-            <a:pPr lvl="1"/>
-            <a:r>
-              <a:rPr lang="en-US" dirty="0" smtClean="0"/>
-              <a:t>template</a:t>
-            </a:r>
-          </a:p>
-          <a:p>
-            <a:r>
-              <a:rPr lang="en-US" dirty="0" smtClean="0"/>
-              <a:t>When/if/for whom it is shown:</a:t>
-            </a:r>
-          </a:p>
-          <a:p>
-            <a:pPr lvl="1"/>
-            <a:r>
-              <a:rPr lang="en-US" dirty="0" smtClean="0"/>
-              <a:t>position in </a:t>
-            </a:r>
-            <a:r>
-              <a:rPr lang="en-US" dirty="0" err="1" smtClean="0">
-                <a:latin typeface="Courier" charset="0"/>
-                <a:ea typeface="Courier" charset="0"/>
-                <a:cs typeface="Courier" charset="0"/>
-              </a:rPr>
-              <a:t>page_sequence</a:t>
-            </a:r>
-            <a:endParaRPr lang="en-US" dirty="0" smtClean="0">
-              <a:latin typeface="Courier" charset="0"/>
-              <a:ea typeface="Courier" charset="0"/>
-              <a:cs typeface="Courier" charset="0"/>
-            </a:endParaRPr>
-          </a:p>
-          <a:p>
-            <a:pPr lvl="1"/>
-            <a:r>
-              <a:rPr lang="en-US" dirty="0" err="1" smtClean="0">
-                <a:latin typeface="Courier" charset="0"/>
-                <a:ea typeface="Courier" charset="0"/>
-                <a:cs typeface="Courier" charset="0"/>
-              </a:rPr>
-              <a:t>is_displayed</a:t>
-            </a:r>
-            <a:r>
-              <a:rPr lang="en-US" dirty="0" smtClean="0"/>
-              <a:t> method</a:t>
-            </a:r>
-            <a:endParaRPr lang="ru-RU" dirty="0" smtClean="0"/>
-          </a:p>
-          <a:p>
-            <a:r>
-              <a:rPr lang="en-US" dirty="0" smtClean="0"/>
-              <a:t>What is shown:</a:t>
-            </a:r>
-          </a:p>
-          <a:p>
-            <a:pPr lvl="1"/>
-            <a:r>
-              <a:rPr lang="en-US" dirty="0" err="1" smtClean="0">
-                <a:latin typeface="Courier" charset="0"/>
-                <a:ea typeface="Courier" charset="0"/>
-                <a:cs typeface="Courier" charset="0"/>
-              </a:rPr>
-              <a:t>vars_for_template</a:t>
-            </a:r>
-            <a:r>
-              <a:rPr lang="en-US" dirty="0" smtClean="0"/>
-              <a:t> method</a:t>
-            </a:r>
-          </a:p>
-          <a:p>
-            <a:r>
-              <a:rPr lang="en-US" dirty="0" smtClean="0"/>
-              <a:t>What to do next:</a:t>
-            </a:r>
-          </a:p>
-          <a:p>
-            <a:pPr lvl="1"/>
-            <a:r>
-              <a:rPr lang="en-US" dirty="0" err="1" smtClean="0">
-                <a:latin typeface="Courier" charset="0"/>
-                <a:ea typeface="Courier" charset="0"/>
-                <a:cs typeface="Courier" charset="0"/>
-              </a:rPr>
-              <a:t>before_next_page</a:t>
-            </a:r>
-            <a:r>
-              <a:rPr lang="en-US" dirty="0" smtClean="0"/>
-              <a:t> method</a:t>
-            </a:r>
+          <a:bodyPr/>
+          <a:lstStyle/>
+          <a:p>
+            <a:pPr marL="514350" indent="-514350">
+              <a:buAutoNum type="arabicPeriod"/>
+            </a:pPr>
+            <a:r>
+              <a:rPr lang="en-US" dirty="0" smtClean="0"/>
+              <a:t>Define model field in </a:t>
+            </a:r>
+            <a:r>
+              <a:rPr lang="en-US" dirty="0" err="1" smtClean="0"/>
+              <a:t>models.py</a:t>
+            </a:r>
+            <a:endParaRPr lang="en-US" dirty="0" smtClean="0"/>
+          </a:p>
+          <a:p>
+            <a:pPr marL="514350" indent="-514350">
+              <a:buAutoNum type="arabicPeriod"/>
+            </a:pPr>
+            <a:r>
+              <a:rPr lang="en-US" dirty="0" smtClean="0"/>
+              <a:t>Add </a:t>
+            </a:r>
+            <a:r>
+              <a:rPr lang="en-US" dirty="0" err="1" smtClean="0"/>
+              <a:t>form_fields</a:t>
+            </a:r>
+            <a:r>
+              <a:rPr lang="en-US" dirty="0" smtClean="0"/>
+              <a:t> and </a:t>
+            </a:r>
+            <a:r>
+              <a:rPr lang="en-US" dirty="0" err="1" smtClean="0"/>
+              <a:t>form_model</a:t>
+            </a:r>
+            <a:r>
+              <a:rPr lang="en-US" dirty="0" smtClean="0"/>
+              <a:t> to a corresponding Page in </a:t>
+            </a:r>
+            <a:r>
+              <a:rPr lang="en-US" dirty="0" err="1" smtClean="0"/>
+              <a:t>pages.py</a:t>
+            </a:r>
+            <a:endParaRPr lang="en-US" dirty="0" smtClean="0"/>
+          </a:p>
+          <a:p>
+            <a:pPr marL="514350" indent="-514350">
+              <a:buAutoNum type="arabicPeriod"/>
+            </a:pPr>
+            <a:r>
+              <a:rPr lang="en-US" dirty="0" smtClean="0"/>
+              <a:t>Add {% </a:t>
+            </a:r>
+            <a:r>
+              <a:rPr lang="en-US" dirty="0" err="1" smtClean="0"/>
+              <a:t>formfields</a:t>
+            </a:r>
+            <a:r>
+              <a:rPr lang="en-US" dirty="0" smtClean="0"/>
+              <a:t> %} in the Page template</a:t>
+            </a:r>
+            <a:endParaRPr lang="en-US" dirty="0"/>
           </a:p>
         </p:txBody>
       </p:sp>
     </p:spTree>
     <p:extLst>
       <p:ext uri="{BB962C8B-B14F-4D97-AF65-F5344CB8AC3E}">
-        <p14:creationId xmlns:p14="http://schemas.microsoft.com/office/powerpoint/2010/main" val="385505795"/>
+        <p14:creationId xmlns:p14="http://schemas.microsoft.com/office/powerpoint/2010/main" val="488471085"/>
       </p:ext>
     </p:extLst>
   </p:cSld>
   <p:clrMapOvr>
     <a:masterClrMapping/>
   </p:clrMapOvr>
-  <p:timing>
-    <p:tnLst>
-      <p:par>
-        <p:cTn id="1" dur="indefinite" restart="never" nodeType="tmRoot"/>
-      </p:par>
-    </p:tnLst>
-  </p:timing>
 </p:sld>
 </file>
 
@@ -6935,18 +7711,18 @@
           <a:lstStyle/>
           <a:p>
             <a:r>
-              <a:rPr lang="en-US" dirty="0" smtClean="0"/>
+              <a:rPr lang="en-US" smtClean="0"/>
               <a:t>Anatomy of an oTree </a:t>
             </a:r>
             <a:r>
-              <a:rPr lang="en-US" dirty="0" smtClean="0">
+              <a:rPr lang="en-US" smtClean="0">
                 <a:latin typeface="Courier" charset="0"/>
                 <a:ea typeface="Courier" charset="0"/>
                 <a:cs typeface="Courier" charset="0"/>
               </a:rPr>
               <a:t>Page</a:t>
             </a:r>
-            <a:endParaRPr lang="en-US" dirty="0">
+            <a:endParaRPr lang="en-US">
               <a:latin typeface="Courier" charset="0"/>
               <a:ea typeface="Courier" charset="0"/>
               <a:cs typeface="Courier" charset="0"/>
@@ -6967,20 +7743,41 @@
         <p:spPr/>
         <p:txBody>
           <a:bodyPr>
-            <a:normAutofit/>
+            <a:normAutofit lnSpcReduction="10000"/>
           </a:bodyPr>
           <a:lstStyle/>
           <a:p>
-            <a:pPr marL="0" lvl="0" indent="0">
-              <a:buNone/>
-            </a:pPr>
-            <a:r>
-              <a:rPr lang="en-US" dirty="0" smtClean="0">
-                <a:latin typeface="Courier" charset="0"/>
-                <a:ea typeface="Courier" charset="0"/>
-                <a:cs typeface="Courier" charset="0"/>
-              </a:rPr>
-              <a:t>class </a:t>
+            <a:pPr lvl="0"/>
+            <a:r>
+              <a:rPr lang="en-US" dirty="0" smtClean="0"/>
+              <a:t>Page creation:</a:t>
+            </a:r>
+          </a:p>
+          <a:p>
+            <a:pPr lvl="1"/>
+            <a:r>
+              <a:rPr lang="en-US" dirty="0" smtClean="0"/>
+              <a:t>class definition</a:t>
+            </a:r>
+          </a:p>
+          <a:p>
+            <a:pPr lvl="1"/>
+            <a:r>
+              <a:rPr lang="en-US" dirty="0" smtClean="0"/>
+              <a:t>template</a:t>
+            </a:r>
+          </a:p>
+          <a:p>
+            <a:r>
+              <a:rPr lang="en-US" dirty="0" smtClean="0"/>
+              <a:t>When/if/for whom it is shown:</a:t>
+            </a:r>
+          </a:p>
+          <a:p>
+            <a:pPr lvl="1"/>
+            <a:r>
+              <a:rPr lang="en-US" dirty="0" smtClean="0"/>
+              <a:t>position in </a:t>
             </a:r>
             <a:r>
               <a:rPr lang="en-US" dirty="0" err="1" smtClean="0">
@@ -6988,60 +7785,7 @@
                 <a:ea typeface="Courier" charset="0"/>
                 <a:cs typeface="Courier" charset="0"/>
               </a:rPr>
-              <a:t>MyPage</a:t>
-            </a:r>
-            <a:r>
-              <a:rPr lang="en-US" dirty="0" smtClean="0">
-                <a:latin typeface="Courier" charset="0"/>
-                <a:ea typeface="Courier" charset="0"/>
-                <a:cs typeface="Courier" charset="0"/>
-              </a:rPr>
-              <a:t>(Page):</a:t>
-            </a:r>
-          </a:p>
-          <a:p>
-            <a:pPr marL="0" lvl="0" indent="0">
-              <a:buNone/>
-            </a:pPr>
-            <a:r>
-              <a:rPr lang="en-US" dirty="0">
-                <a:latin typeface="Courier" charset="0"/>
-                <a:ea typeface="Courier" charset="0"/>
-                <a:cs typeface="Courier" charset="0"/>
-              </a:rPr>
-              <a:t> </a:t>
-            </a:r>
-            <a:r>
-              <a:rPr lang="en-US" dirty="0" smtClean="0">
-                <a:latin typeface="Courier" charset="0"/>
-                <a:ea typeface="Courier" charset="0"/>
-                <a:cs typeface="Courier" charset="0"/>
-              </a:rPr>
-              <a:t>  </a:t>
-            </a:r>
-            <a:r>
-              <a:rPr lang="en-US" dirty="0" err="1" smtClean="0">
-                <a:latin typeface="Courier" charset="0"/>
-                <a:ea typeface="Courier" charset="0"/>
-                <a:cs typeface="Courier" charset="0"/>
-              </a:rPr>
-              <a:t>form_model</a:t>
-            </a:r>
-            <a:r>
-              <a:rPr lang="en-US" dirty="0" smtClean="0">
-                <a:latin typeface="Courier" charset="0"/>
-                <a:ea typeface="Courier" charset="0"/>
-                <a:cs typeface="Courier" charset="0"/>
-              </a:rPr>
-              <a:t> = 'player</a:t>
-            </a:r>
-            <a:r>
-              <a:rPr lang="en-US" dirty="0">
-                <a:latin typeface="Courier" charset="0"/>
-                <a:ea typeface="Courier" charset="0"/>
-                <a:cs typeface="Courier" charset="0"/>
-              </a:rPr>
-              <a:t>'</a:t>
+              <a:t>page_sequence</a:t>
             </a:r>
             <a:endParaRPr lang="en-US" dirty="0" smtClean="0">
               <a:latin typeface="Courier" charset="0"/>
@@ -7050,116 +7794,61 @@
             </a:endParaRPr>
           </a:p>
           <a:p>
-            <a:pPr marL="0" lvl="0" indent="0">
-              <a:buNone/>
-            </a:pPr>
-            <a:r>
-              <a:rPr lang="en-US" dirty="0">
-                <a:latin typeface="Courier" charset="0"/>
-                <a:ea typeface="Courier" charset="0"/>
-                <a:cs typeface="Courier" charset="0"/>
-              </a:rPr>
-              <a:t> </a:t>
-            </a:r>
-            <a:r>
-              <a:rPr lang="en-US" dirty="0" smtClean="0">
-                <a:latin typeface="Courier" charset="0"/>
-                <a:ea typeface="Courier" charset="0"/>
-                <a:cs typeface="Courier" charset="0"/>
-              </a:rPr>
-              <a:t>  </a:t>
-            </a:r>
+            <a:pPr lvl="1"/>
             <a:r>
               <a:rPr lang="en-US" dirty="0" err="1" smtClean="0">
                 <a:latin typeface="Courier" charset="0"/>
                 <a:ea typeface="Courier" charset="0"/>
                 <a:cs typeface="Courier" charset="0"/>
               </a:rPr>
-              <a:t>form_fields</a:t>
-            </a:r>
-            <a:r>
-              <a:rPr lang="en-US" dirty="0" smtClean="0">
-                <a:latin typeface="Courier" charset="0"/>
-                <a:ea typeface="Courier" charset="0"/>
-                <a:cs typeface="Courier" charset="0"/>
-              </a:rPr>
-              <a:t> = ['</a:t>
-            </a:r>
+              <a:t>is_displayed</a:t>
+            </a:r>
+            <a:r>
+              <a:rPr lang="en-US" dirty="0" smtClean="0"/>
+              <a:t> method</a:t>
+            </a:r>
+            <a:endParaRPr lang="ru-RU" dirty="0" smtClean="0"/>
+          </a:p>
+          <a:p>
+            <a:r>
+              <a:rPr lang="en-US" dirty="0" smtClean="0"/>
+              <a:t>What is shown:</a:t>
+            </a:r>
+          </a:p>
+          <a:p>
+            <a:pPr lvl="1"/>
             <a:r>
               <a:rPr lang="en-US" dirty="0" err="1" smtClean="0">
                 <a:latin typeface="Courier" charset="0"/>
                 <a:ea typeface="Courier" charset="0"/>
                 <a:cs typeface="Courier" charset="0"/>
               </a:rPr>
-              <a:t>my_field</a:t>
-            </a:r>
-            <a:r>
-              <a:rPr lang="en-US" dirty="0">
-                <a:latin typeface="Courier" charset="0"/>
-                <a:ea typeface="Courier" charset="0"/>
-                <a:cs typeface="Courier" charset="0"/>
-              </a:rPr>
-              <a:t>'</a:t>
-            </a:r>
-            <a:r>
-              <a:rPr lang="en-US" smtClean="0">
-                <a:latin typeface="Courier" charset="0"/>
-                <a:ea typeface="Courier" charset="0"/>
-                <a:cs typeface="Courier" charset="0"/>
-              </a:rPr>
-              <a:t>]</a:t>
-            </a:r>
-            <a:endParaRPr lang="en-US" dirty="0" smtClean="0">
-              <a:latin typeface="Courier" charset="0"/>
-              <a:ea typeface="Courier" charset="0"/>
-              <a:cs typeface="Courier" charset="0"/>
-            </a:endParaRPr>
-          </a:p>
-          <a:p>
-            <a:pPr marL="0" lvl="0" indent="0">
-              <a:buNone/>
-            </a:pPr>
-            <a:endParaRPr lang="en-US" dirty="0">
-              <a:latin typeface="Courier" charset="0"/>
-              <a:ea typeface="Courier" charset="0"/>
-              <a:cs typeface="Courier" charset="0"/>
-            </a:endParaRPr>
-          </a:p>
-          <a:p>
-            <a:pPr marL="0" lvl="0" indent="0">
-              <a:buNone/>
-            </a:pPr>
+              <a:t>vars_for_template</a:t>
+            </a:r>
+            <a:r>
+              <a:rPr lang="en-US" dirty="0" smtClean="0"/>
+              <a:t> method</a:t>
+            </a:r>
+          </a:p>
+          <a:p>
+            <a:r>
+              <a:rPr lang="en-US" dirty="0" smtClean="0"/>
+              <a:t>What to do next:</a:t>
+            </a:r>
+          </a:p>
+          <a:p>
+            <a:pPr lvl="1"/>
             <a:r>
               <a:rPr lang="en-US" dirty="0" err="1" smtClean="0">
                 <a:latin typeface="Courier" charset="0"/>
                 <a:ea typeface="Courier" charset="0"/>
                 <a:cs typeface="Courier" charset="0"/>
               </a:rPr>
-              <a:t>page_sequence</a:t>
-            </a:r>
-            <a:r>
-              <a:rPr lang="en-US" dirty="0" smtClean="0">
-                <a:latin typeface="Courier" charset="0"/>
-                <a:ea typeface="Courier" charset="0"/>
-                <a:cs typeface="Courier" charset="0"/>
-              </a:rPr>
-              <a:t> = [</a:t>
-            </a:r>
-            <a:r>
-              <a:rPr lang="en-US" dirty="0" err="1" smtClean="0">
-                <a:latin typeface="Courier" charset="0"/>
-                <a:ea typeface="Courier" charset="0"/>
-                <a:cs typeface="Courier" charset="0"/>
-              </a:rPr>
-              <a:t>MyPage</a:t>
-            </a:r>
-            <a:r>
-              <a:rPr lang="en-US" dirty="0" smtClean="0">
-                <a:latin typeface="Courier" charset="0"/>
-                <a:ea typeface="Courier" charset="0"/>
-                <a:cs typeface="Courier" charset="0"/>
-              </a:rPr>
-              <a:t>]</a:t>
+              <a:t>before_next_page</a:t>
+            </a:r>
+            <a:r>
+              <a:rPr lang="en-US" dirty="0" smtClean="0"/>
+              <a:t> method</a:t>
             </a:r>
           </a:p>
         </p:txBody>
@@ -7167,7 +7856,7 @@
     </p:spTree>
     <p:extLst>
       <p:ext uri="{BB962C8B-B14F-4D97-AF65-F5344CB8AC3E}">
-        <p14:creationId xmlns:p14="http://schemas.microsoft.com/office/powerpoint/2010/main" val="867566026"/>
+        <p14:creationId xmlns:p14="http://schemas.microsoft.com/office/powerpoint/2010/main" val="385505795"/>
       </p:ext>
     </p:extLst>
   </p:cSld>

--- a/presentations/frankfurt_july_2019 day2.pptx
+++ b/presentations/frankfurt_july_2019 day2.pptx
@@ -5,7 +5,7 @@
     <p:sldMasterId id="2147483648" r:id="rId1"/>
   </p:sldMasterIdLst>
   <p:notesMasterIdLst>
-    <p:notesMasterId r:id="rId19"/>
+    <p:notesMasterId r:id="rId20"/>
   </p:notesMasterIdLst>
   <p:sldIdLst>
     <p:sldId id="354" r:id="rId2"/>
@@ -25,6 +25,7 @@
     <p:sldId id="362" r:id="rId16"/>
     <p:sldId id="363" r:id="rId17"/>
     <p:sldId id="391" r:id="rId18"/>
+    <p:sldId id="392" r:id="rId19"/>
   </p:sldIdLst>
   <p:sldSz cx="12192000" cy="6858000"/>
   <p:notesSz cx="6858000" cy="9144000"/>
@@ -6417,6 +6418,1048 @@
     <p:extLst>
       <p:ext uri="{BB962C8B-B14F-4D97-AF65-F5344CB8AC3E}">
         <p14:creationId xmlns:p14="http://schemas.microsoft.com/office/powerpoint/2010/main" val="368927906"/>
+      </p:ext>
+    </p:extLst>
+  </p:cSld>
+  <p:clrMapOvr>
+    <a:masterClrMapping/>
+  </p:clrMapOvr>
+  <p:timing>
+    <p:tnLst>
+      <p:par>
+        <p:cTn id="1" dur="indefinite" restart="never" nodeType="tmRoot"/>
+      </p:par>
+    </p:tnLst>
+  </p:timing>
+</p:sld>
+</file>
+
+<file path=ppt/slides/slide18.xml><?xml version="1.0" encoding="utf-8"?>
+<p:sld xmlns:a="http://schemas.openxmlformats.org/drawingml/2006/main" xmlns:r="http://schemas.openxmlformats.org/officeDocument/2006/relationships" xmlns:p="http://schemas.openxmlformats.org/presentationml/2006/main">
+  <p:cSld>
+    <p:spTree>
+      <p:nvGrpSpPr>
+        <p:cNvPr id="1" name=""/>
+        <p:cNvGrpSpPr/>
+        <p:nvPr/>
+      </p:nvGrpSpPr>
+      <p:grpSpPr>
+        <a:xfrm>
+          <a:off x="0" y="0"/>
+          <a:ext cx="0" cy="0"/>
+          <a:chOff x="0" y="0"/>
+          <a:chExt cx="0" cy="0"/>
+        </a:xfrm>
+      </p:grpSpPr>
+      <p:sp>
+        <p:nvSpPr>
+          <p:cNvPr id="2" name="Title 1"/>
+          <p:cNvSpPr>
+            <a:spLocks noGrp="1"/>
+          </p:cNvSpPr>
+          <p:nvPr>
+            <p:ph type="title"/>
+          </p:nvPr>
+        </p:nvSpPr>
+        <p:spPr/>
+        <p:txBody>
+          <a:bodyPr/>
+          <a:lstStyle/>
+          <a:p>
+            <a:r>
+              <a:rPr lang="en-US" smtClean="0"/>
+              <a:t>Tests (tests.py)</a:t>
+            </a:r>
+            <a:endParaRPr lang="en-US" dirty="0"/>
+          </a:p>
+        </p:txBody>
+      </p:sp>
+      <p:sp>
+        <p:nvSpPr>
+          <p:cNvPr id="6" name="Content Placeholder 5"/>
+          <p:cNvSpPr>
+            <a:spLocks noGrp="1"/>
+          </p:cNvSpPr>
+          <p:nvPr>
+            <p:ph idx="1"/>
+          </p:nvPr>
+        </p:nvSpPr>
+        <p:spPr>
+          <a:xfrm>
+            <a:off x="838200" y="6131243"/>
+            <a:ext cx="10515600" cy="498157"/>
+          </a:xfrm>
+        </p:spPr>
+        <p:txBody>
+          <a:bodyPr>
+            <a:normAutofit/>
+          </a:bodyPr>
+          <a:lstStyle/>
+          <a:p>
+            <a:r>
+              <a:rPr lang="en-US" b="1" u="sng" dirty="0" smtClean="0">
+                <a:solidFill>
+                  <a:srgbClr val="FF0000"/>
+                </a:solidFill>
+                <a:latin typeface="Menlo" charset="0"/>
+                <a:ea typeface="Menlo" charset="0"/>
+                <a:cs typeface="Menlo" charset="0"/>
+              </a:rPr>
+              <a:t>Run</a:t>
+            </a:r>
+            <a:r>
+              <a:rPr lang="en-US" dirty="0" smtClean="0">
+                <a:solidFill>
+                  <a:srgbClr val="FF0000"/>
+                </a:solidFill>
+                <a:latin typeface="Menlo" charset="0"/>
+                <a:ea typeface="Menlo" charset="0"/>
+                <a:cs typeface="Menlo" charset="0"/>
+              </a:rPr>
+              <a:t>:</a:t>
+            </a:r>
+            <a:r>
+              <a:rPr lang="en-US" i="1" dirty="0" smtClean="0">
+                <a:solidFill>
+                  <a:srgbClr val="FF0000"/>
+                </a:solidFill>
+                <a:latin typeface="Menlo" charset="0"/>
+                <a:ea typeface="Menlo" charset="0"/>
+                <a:cs typeface="Menlo" charset="0"/>
+              </a:rPr>
+              <a:t> </a:t>
+            </a:r>
+            <a:r>
+              <a:rPr lang="en-US" dirty="0" err="1" smtClean="0">
+                <a:solidFill>
+                  <a:srgbClr val="FF0000"/>
+                </a:solidFill>
+                <a:latin typeface="Menlo" charset="0"/>
+                <a:ea typeface="Menlo" charset="0"/>
+                <a:cs typeface="Menlo" charset="0"/>
+              </a:rPr>
+              <a:t>otree</a:t>
+            </a:r>
+            <a:r>
+              <a:rPr lang="en-US" dirty="0" smtClean="0">
+                <a:solidFill>
+                  <a:srgbClr val="FF0000"/>
+                </a:solidFill>
+                <a:latin typeface="Menlo" charset="0"/>
+                <a:ea typeface="Menlo" charset="0"/>
+                <a:cs typeface="Menlo" charset="0"/>
+              </a:rPr>
+              <a:t> test trust --export</a:t>
+            </a:r>
+            <a:endParaRPr lang="en-US" dirty="0">
+              <a:solidFill>
+                <a:srgbClr val="FF0000"/>
+              </a:solidFill>
+              <a:latin typeface="Menlo" charset="0"/>
+              <a:ea typeface="Menlo" charset="0"/>
+              <a:cs typeface="Menlo" charset="0"/>
+            </a:endParaRPr>
+          </a:p>
+        </p:txBody>
+      </p:sp>
+      <p:sp>
+        <p:nvSpPr>
+          <p:cNvPr id="4" name="Rectangle 3"/>
+          <p:cNvSpPr/>
+          <p:nvPr/>
+        </p:nvSpPr>
+        <p:spPr>
+          <a:xfrm>
+            <a:off x="1619250" y="1690689"/>
+            <a:ext cx="10172700" cy="4247317"/>
+          </a:xfrm>
+          <a:prstGeom prst="rect">
+            <a:avLst/>
+          </a:prstGeom>
+        </p:spPr>
+        <p:txBody>
+          <a:bodyPr wrap="square">
+            <a:spAutoFit/>
+          </a:bodyPr>
+          <a:lstStyle/>
+          <a:p>
+            <a:r>
+              <a:rPr lang="en-US" dirty="0">
+                <a:solidFill>
+                  <a:srgbClr val="CC7832"/>
+                </a:solidFill>
+                <a:latin typeface="Menlo" charset="0"/>
+                <a:ea typeface="Menlo" charset="0"/>
+                <a:cs typeface="Menlo" charset="0"/>
+              </a:rPr>
+              <a:t>from </a:t>
+            </a:r>
+            <a:r>
+              <a:rPr lang="en-US" dirty="0" err="1">
+                <a:latin typeface="Menlo" charset="0"/>
+                <a:ea typeface="Menlo" charset="0"/>
+                <a:cs typeface="Menlo" charset="0"/>
+              </a:rPr>
+              <a:t>otree.api</a:t>
+            </a:r>
+            <a:r>
+              <a:rPr lang="en-US" dirty="0">
+                <a:latin typeface="Menlo" charset="0"/>
+                <a:ea typeface="Menlo" charset="0"/>
+                <a:cs typeface="Menlo" charset="0"/>
+              </a:rPr>
+              <a:t> </a:t>
+            </a:r>
+            <a:r>
+              <a:rPr lang="en-US" dirty="0">
+                <a:solidFill>
+                  <a:srgbClr val="CC7832"/>
+                </a:solidFill>
+                <a:latin typeface="Menlo" charset="0"/>
+                <a:ea typeface="Menlo" charset="0"/>
+                <a:cs typeface="Menlo" charset="0"/>
+              </a:rPr>
+              <a:t>import </a:t>
+            </a:r>
+            <a:r>
+              <a:rPr lang="en-US" dirty="0">
+                <a:latin typeface="Menlo" charset="0"/>
+                <a:ea typeface="Menlo" charset="0"/>
+                <a:cs typeface="Menlo" charset="0"/>
+              </a:rPr>
+              <a:t>Currency </a:t>
+            </a:r>
+            <a:r>
+              <a:rPr lang="en-US" dirty="0">
+                <a:solidFill>
+                  <a:srgbClr val="CC7832"/>
+                </a:solidFill>
+                <a:latin typeface="Menlo" charset="0"/>
+                <a:ea typeface="Menlo" charset="0"/>
+                <a:cs typeface="Menlo" charset="0"/>
+              </a:rPr>
+              <a:t>as </a:t>
+            </a:r>
+            <a:r>
+              <a:rPr lang="en-US" dirty="0">
+                <a:latin typeface="Menlo" charset="0"/>
+                <a:ea typeface="Menlo" charset="0"/>
+                <a:cs typeface="Menlo" charset="0"/>
+              </a:rPr>
+              <a:t>c</a:t>
+            </a:r>
+            <a:r>
+              <a:rPr lang="en-US" dirty="0">
+                <a:solidFill>
+                  <a:srgbClr val="CC7832"/>
+                </a:solidFill>
+                <a:latin typeface="Menlo" charset="0"/>
+                <a:ea typeface="Menlo" charset="0"/>
+                <a:cs typeface="Menlo" charset="0"/>
+              </a:rPr>
+              <a:t>, </a:t>
+            </a:r>
+            <a:r>
+              <a:rPr lang="en-US" dirty="0" err="1">
+                <a:latin typeface="Menlo" charset="0"/>
+                <a:ea typeface="Menlo" charset="0"/>
+                <a:cs typeface="Menlo" charset="0"/>
+              </a:rPr>
+              <a:t>currency_range</a:t>
+            </a:r>
+            <a:r>
+              <a:rPr lang="en-US" dirty="0">
+                <a:latin typeface="Menlo" charset="0"/>
+                <a:ea typeface="Menlo" charset="0"/>
+                <a:cs typeface="Menlo" charset="0"/>
+              </a:rPr>
+              <a:t/>
+            </a:r>
+            <a:br>
+              <a:rPr lang="en-US" dirty="0">
+                <a:latin typeface="Menlo" charset="0"/>
+                <a:ea typeface="Menlo" charset="0"/>
+                <a:cs typeface="Menlo" charset="0"/>
+              </a:rPr>
+            </a:br>
+            <a:r>
+              <a:rPr lang="en-US" dirty="0">
+                <a:solidFill>
+                  <a:srgbClr val="CC7832"/>
+                </a:solidFill>
+                <a:latin typeface="Menlo" charset="0"/>
+                <a:ea typeface="Menlo" charset="0"/>
+                <a:cs typeface="Menlo" charset="0"/>
+              </a:rPr>
+              <a:t>from </a:t>
+            </a:r>
+            <a:r>
+              <a:rPr lang="en-US" dirty="0">
+                <a:latin typeface="Menlo" charset="0"/>
+                <a:ea typeface="Menlo" charset="0"/>
+                <a:cs typeface="Menlo" charset="0"/>
+              </a:rPr>
+              <a:t>.pages </a:t>
+            </a:r>
+            <a:r>
+              <a:rPr lang="en-US" dirty="0">
+                <a:solidFill>
+                  <a:srgbClr val="CC7832"/>
+                </a:solidFill>
+                <a:latin typeface="Menlo" charset="0"/>
+                <a:ea typeface="Menlo" charset="0"/>
+                <a:cs typeface="Menlo" charset="0"/>
+              </a:rPr>
+              <a:t>import </a:t>
+            </a:r>
+            <a:r>
+              <a:rPr lang="en-US" dirty="0">
+                <a:latin typeface="Menlo" charset="0"/>
+                <a:ea typeface="Menlo" charset="0"/>
+                <a:cs typeface="Menlo" charset="0"/>
+              </a:rPr>
+              <a:t>*</a:t>
+            </a:r>
+            <a:br>
+              <a:rPr lang="en-US" dirty="0">
+                <a:latin typeface="Menlo" charset="0"/>
+                <a:ea typeface="Menlo" charset="0"/>
+                <a:cs typeface="Menlo" charset="0"/>
+              </a:rPr>
+            </a:br>
+            <a:r>
+              <a:rPr lang="en-US" dirty="0">
+                <a:solidFill>
+                  <a:srgbClr val="CC7832"/>
+                </a:solidFill>
+                <a:latin typeface="Menlo" charset="0"/>
+                <a:ea typeface="Menlo" charset="0"/>
+                <a:cs typeface="Menlo" charset="0"/>
+              </a:rPr>
+              <a:t>from </a:t>
+            </a:r>
+            <a:r>
+              <a:rPr lang="en-US" dirty="0">
+                <a:latin typeface="Menlo" charset="0"/>
+                <a:ea typeface="Menlo" charset="0"/>
+                <a:cs typeface="Menlo" charset="0"/>
+              </a:rPr>
+              <a:t>._</a:t>
+            </a:r>
+            <a:r>
+              <a:rPr lang="en-US" dirty="0" err="1">
+                <a:latin typeface="Menlo" charset="0"/>
+                <a:ea typeface="Menlo" charset="0"/>
+                <a:cs typeface="Menlo" charset="0"/>
+              </a:rPr>
+              <a:t>builtin</a:t>
+            </a:r>
+            <a:r>
+              <a:rPr lang="en-US" dirty="0">
+                <a:latin typeface="Menlo" charset="0"/>
+                <a:ea typeface="Menlo" charset="0"/>
+                <a:cs typeface="Menlo" charset="0"/>
+              </a:rPr>
+              <a:t> </a:t>
+            </a:r>
+            <a:r>
+              <a:rPr lang="en-US" dirty="0">
+                <a:solidFill>
+                  <a:srgbClr val="CC7832"/>
+                </a:solidFill>
+                <a:latin typeface="Menlo" charset="0"/>
+                <a:ea typeface="Menlo" charset="0"/>
+                <a:cs typeface="Menlo" charset="0"/>
+              </a:rPr>
+              <a:t>import </a:t>
+            </a:r>
+            <a:r>
+              <a:rPr lang="en-US" dirty="0">
+                <a:latin typeface="Menlo" charset="0"/>
+                <a:ea typeface="Menlo" charset="0"/>
+                <a:cs typeface="Menlo" charset="0"/>
+              </a:rPr>
+              <a:t>Bot</a:t>
+            </a:r>
+            <a:br>
+              <a:rPr lang="en-US" dirty="0">
+                <a:latin typeface="Menlo" charset="0"/>
+                <a:ea typeface="Menlo" charset="0"/>
+                <a:cs typeface="Menlo" charset="0"/>
+              </a:rPr>
+            </a:br>
+            <a:r>
+              <a:rPr lang="en-US" dirty="0">
+                <a:solidFill>
+                  <a:srgbClr val="CC7832"/>
+                </a:solidFill>
+                <a:latin typeface="Menlo" charset="0"/>
+                <a:ea typeface="Menlo" charset="0"/>
+                <a:cs typeface="Menlo" charset="0"/>
+              </a:rPr>
+              <a:t>from </a:t>
+            </a:r>
+            <a:r>
+              <a:rPr lang="en-US" dirty="0">
+                <a:latin typeface="Menlo" charset="0"/>
+                <a:ea typeface="Menlo" charset="0"/>
+                <a:cs typeface="Menlo" charset="0"/>
+              </a:rPr>
+              <a:t>.models </a:t>
+            </a:r>
+            <a:r>
+              <a:rPr lang="en-US" dirty="0">
+                <a:solidFill>
+                  <a:srgbClr val="CC7832"/>
+                </a:solidFill>
+                <a:latin typeface="Menlo" charset="0"/>
+                <a:ea typeface="Menlo" charset="0"/>
+                <a:cs typeface="Menlo" charset="0"/>
+              </a:rPr>
+              <a:t>import </a:t>
+            </a:r>
+            <a:r>
+              <a:rPr lang="en-US" dirty="0">
+                <a:latin typeface="Menlo" charset="0"/>
+                <a:ea typeface="Menlo" charset="0"/>
+                <a:cs typeface="Menlo" charset="0"/>
+              </a:rPr>
+              <a:t>Constants</a:t>
+            </a:r>
+            <a:br>
+              <a:rPr lang="en-US" dirty="0">
+                <a:latin typeface="Menlo" charset="0"/>
+                <a:ea typeface="Menlo" charset="0"/>
+                <a:cs typeface="Menlo" charset="0"/>
+              </a:rPr>
+            </a:br>
+            <a:r>
+              <a:rPr lang="en-US" dirty="0">
+                <a:solidFill>
+                  <a:srgbClr val="CC7832"/>
+                </a:solidFill>
+                <a:latin typeface="Menlo" charset="0"/>
+                <a:ea typeface="Menlo" charset="0"/>
+                <a:cs typeface="Menlo" charset="0"/>
+              </a:rPr>
+              <a:t>import </a:t>
+            </a:r>
+            <a:r>
+              <a:rPr lang="en-US" dirty="0" smtClean="0">
+                <a:latin typeface="Menlo" charset="0"/>
+                <a:ea typeface="Menlo" charset="0"/>
+                <a:cs typeface="Menlo" charset="0"/>
+              </a:rPr>
+              <a:t>random</a:t>
+            </a:r>
+            <a:r>
+              <a:rPr lang="en-US" dirty="0">
+                <a:latin typeface="Menlo" charset="0"/>
+                <a:ea typeface="Menlo" charset="0"/>
+                <a:cs typeface="Menlo" charset="0"/>
+              </a:rPr>
+              <a:t/>
+            </a:r>
+            <a:br>
+              <a:rPr lang="en-US" dirty="0">
+                <a:latin typeface="Menlo" charset="0"/>
+                <a:ea typeface="Menlo" charset="0"/>
+                <a:cs typeface="Menlo" charset="0"/>
+              </a:rPr>
+            </a:br>
+            <a:r>
+              <a:rPr lang="en-US" dirty="0">
+                <a:latin typeface="Menlo" charset="0"/>
+                <a:ea typeface="Menlo" charset="0"/>
+                <a:cs typeface="Menlo" charset="0"/>
+              </a:rPr>
+              <a:t/>
+            </a:r>
+            <a:br>
+              <a:rPr lang="en-US" dirty="0">
+                <a:latin typeface="Menlo" charset="0"/>
+                <a:ea typeface="Menlo" charset="0"/>
+                <a:cs typeface="Menlo" charset="0"/>
+              </a:rPr>
+            </a:br>
+            <a:r>
+              <a:rPr lang="en-US" dirty="0">
+                <a:solidFill>
+                  <a:srgbClr val="CC7832"/>
+                </a:solidFill>
+                <a:latin typeface="Menlo" charset="0"/>
+                <a:ea typeface="Menlo" charset="0"/>
+                <a:cs typeface="Menlo" charset="0"/>
+              </a:rPr>
+              <a:t>class </a:t>
+            </a:r>
+            <a:r>
+              <a:rPr lang="en-US" dirty="0" err="1">
+                <a:latin typeface="Menlo" charset="0"/>
+                <a:ea typeface="Menlo" charset="0"/>
+                <a:cs typeface="Menlo" charset="0"/>
+              </a:rPr>
+              <a:t>PlayerBot</a:t>
+            </a:r>
+            <a:r>
+              <a:rPr lang="en-US" dirty="0">
+                <a:latin typeface="Menlo" charset="0"/>
+                <a:ea typeface="Menlo" charset="0"/>
+                <a:cs typeface="Menlo" charset="0"/>
+              </a:rPr>
+              <a:t>(Bot</a:t>
+            </a:r>
+            <a:r>
+              <a:rPr lang="en-US" dirty="0" smtClean="0">
+                <a:latin typeface="Menlo" charset="0"/>
+                <a:ea typeface="Menlo" charset="0"/>
+                <a:cs typeface="Menlo" charset="0"/>
+              </a:rPr>
+              <a:t>):</a:t>
+            </a:r>
+            <a:r>
+              <a:rPr lang="en-US" dirty="0">
+                <a:latin typeface="Menlo" charset="0"/>
+                <a:ea typeface="Menlo" charset="0"/>
+                <a:cs typeface="Menlo" charset="0"/>
+              </a:rPr>
+              <a:t/>
+            </a:r>
+            <a:br>
+              <a:rPr lang="en-US" dirty="0">
+                <a:latin typeface="Menlo" charset="0"/>
+                <a:ea typeface="Menlo" charset="0"/>
+                <a:cs typeface="Menlo" charset="0"/>
+              </a:rPr>
+            </a:br>
+            <a:r>
+              <a:rPr lang="en-US" dirty="0">
+                <a:latin typeface="Menlo" charset="0"/>
+                <a:ea typeface="Menlo" charset="0"/>
+                <a:cs typeface="Menlo" charset="0"/>
+              </a:rPr>
+              <a:t>    </a:t>
+            </a:r>
+            <a:r>
+              <a:rPr lang="en-US" dirty="0" err="1">
+                <a:solidFill>
+                  <a:srgbClr val="CC7832"/>
+                </a:solidFill>
+                <a:latin typeface="Menlo" charset="0"/>
+                <a:ea typeface="Menlo" charset="0"/>
+                <a:cs typeface="Menlo" charset="0"/>
+              </a:rPr>
+              <a:t>def</a:t>
+            </a:r>
+            <a:r>
+              <a:rPr lang="en-US" dirty="0">
+                <a:solidFill>
+                  <a:srgbClr val="CC7832"/>
+                </a:solidFill>
+                <a:latin typeface="Menlo" charset="0"/>
+                <a:ea typeface="Menlo" charset="0"/>
+                <a:cs typeface="Menlo" charset="0"/>
+              </a:rPr>
+              <a:t> </a:t>
+            </a:r>
+            <a:r>
+              <a:rPr lang="en-US" dirty="0" err="1">
+                <a:solidFill>
+                  <a:srgbClr val="FFC66D"/>
+                </a:solidFill>
+                <a:latin typeface="Menlo" charset="0"/>
+                <a:ea typeface="Menlo" charset="0"/>
+                <a:cs typeface="Menlo" charset="0"/>
+              </a:rPr>
+              <a:t>play_round</a:t>
+            </a:r>
+            <a:r>
+              <a:rPr lang="en-US" dirty="0">
+                <a:latin typeface="Menlo" charset="0"/>
+                <a:ea typeface="Menlo" charset="0"/>
+                <a:cs typeface="Menlo" charset="0"/>
+              </a:rPr>
+              <a:t>(</a:t>
+            </a:r>
+            <a:r>
+              <a:rPr lang="en-US" dirty="0">
+                <a:solidFill>
+                  <a:srgbClr val="94558D"/>
+                </a:solidFill>
+                <a:latin typeface="Menlo" charset="0"/>
+                <a:ea typeface="Menlo" charset="0"/>
+                <a:cs typeface="Menlo" charset="0"/>
+              </a:rPr>
+              <a:t>self</a:t>
+            </a:r>
+            <a:r>
+              <a:rPr lang="en-US" dirty="0">
+                <a:latin typeface="Menlo" charset="0"/>
+                <a:ea typeface="Menlo" charset="0"/>
+                <a:cs typeface="Menlo" charset="0"/>
+              </a:rPr>
+              <a:t>):</a:t>
+            </a:r>
+            <a:br>
+              <a:rPr lang="en-US" dirty="0">
+                <a:latin typeface="Menlo" charset="0"/>
+                <a:ea typeface="Menlo" charset="0"/>
+                <a:cs typeface="Menlo" charset="0"/>
+              </a:rPr>
+            </a:br>
+            <a:r>
+              <a:rPr lang="en-US" dirty="0">
+                <a:latin typeface="Menlo" charset="0"/>
+                <a:ea typeface="Menlo" charset="0"/>
+                <a:cs typeface="Menlo" charset="0"/>
+              </a:rPr>
+              <a:t>        </a:t>
+            </a:r>
+            <a:r>
+              <a:rPr lang="en-US" dirty="0">
+                <a:solidFill>
+                  <a:srgbClr val="CC7832"/>
+                </a:solidFill>
+                <a:latin typeface="Menlo" charset="0"/>
+                <a:ea typeface="Menlo" charset="0"/>
+                <a:cs typeface="Menlo" charset="0"/>
+              </a:rPr>
+              <a:t>if </a:t>
+            </a:r>
+            <a:r>
+              <a:rPr lang="en-US" dirty="0" err="1">
+                <a:solidFill>
+                  <a:srgbClr val="94558D"/>
+                </a:solidFill>
+                <a:latin typeface="Menlo" charset="0"/>
+                <a:ea typeface="Menlo" charset="0"/>
+                <a:cs typeface="Menlo" charset="0"/>
+              </a:rPr>
+              <a:t>self</a:t>
+            </a:r>
+            <a:r>
+              <a:rPr lang="en-US" dirty="0" err="1">
+                <a:latin typeface="Menlo" charset="0"/>
+                <a:ea typeface="Menlo" charset="0"/>
+                <a:cs typeface="Menlo" charset="0"/>
+              </a:rPr>
+              <a:t>.player.role</a:t>
+            </a:r>
+            <a:r>
+              <a:rPr lang="en-US" dirty="0">
+                <a:latin typeface="Menlo" charset="0"/>
+                <a:ea typeface="Menlo" charset="0"/>
+                <a:cs typeface="Menlo" charset="0"/>
+              </a:rPr>
+              <a:t>() == </a:t>
+            </a:r>
+            <a:r>
+              <a:rPr lang="en-US" dirty="0">
+                <a:solidFill>
+                  <a:srgbClr val="6A8759"/>
+                </a:solidFill>
+                <a:latin typeface="Menlo" charset="0"/>
+                <a:ea typeface="Menlo" charset="0"/>
+                <a:cs typeface="Menlo" charset="0"/>
+              </a:rPr>
+              <a:t>'trustor'</a:t>
+            </a:r>
+            <a:r>
+              <a:rPr lang="en-US" dirty="0">
+                <a:latin typeface="Menlo" charset="0"/>
+                <a:ea typeface="Menlo" charset="0"/>
+                <a:cs typeface="Menlo" charset="0"/>
+              </a:rPr>
+              <a:t>:</a:t>
+            </a:r>
+            <a:br>
+              <a:rPr lang="en-US" dirty="0">
+                <a:latin typeface="Menlo" charset="0"/>
+                <a:ea typeface="Menlo" charset="0"/>
+                <a:cs typeface="Menlo" charset="0"/>
+              </a:rPr>
+            </a:br>
+            <a:r>
+              <a:rPr lang="en-US" dirty="0">
+                <a:latin typeface="Menlo" charset="0"/>
+                <a:ea typeface="Menlo" charset="0"/>
+                <a:cs typeface="Menlo" charset="0"/>
+              </a:rPr>
+              <a:t>            </a:t>
+            </a:r>
+            <a:r>
+              <a:rPr lang="en-US" dirty="0">
+                <a:solidFill>
+                  <a:srgbClr val="CC7832"/>
+                </a:solidFill>
+                <a:latin typeface="Menlo" charset="0"/>
+                <a:ea typeface="Menlo" charset="0"/>
+                <a:cs typeface="Menlo" charset="0"/>
+              </a:rPr>
+              <a:t>yield </a:t>
+            </a:r>
+            <a:r>
+              <a:rPr lang="en-US" dirty="0">
+                <a:latin typeface="Menlo" charset="0"/>
+                <a:ea typeface="Menlo" charset="0"/>
+                <a:cs typeface="Menlo" charset="0"/>
+              </a:rPr>
+              <a:t>Send</a:t>
+            </a:r>
+            <a:r>
+              <a:rPr lang="en-US" dirty="0">
+                <a:solidFill>
+                  <a:srgbClr val="CC7832"/>
+                </a:solidFill>
+                <a:latin typeface="Menlo" charset="0"/>
+                <a:ea typeface="Menlo" charset="0"/>
+                <a:cs typeface="Menlo" charset="0"/>
+              </a:rPr>
+              <a:t>, </a:t>
+            </a:r>
+            <a:r>
+              <a:rPr lang="en-US" dirty="0">
+                <a:latin typeface="Menlo" charset="0"/>
+                <a:ea typeface="Menlo" charset="0"/>
+                <a:cs typeface="Menlo" charset="0"/>
+              </a:rPr>
+              <a:t>{</a:t>
+            </a:r>
+            <a:r>
+              <a:rPr lang="en-US" dirty="0">
+                <a:solidFill>
+                  <a:srgbClr val="6A8759"/>
+                </a:solidFill>
+                <a:latin typeface="Menlo" charset="0"/>
+                <a:ea typeface="Menlo" charset="0"/>
+                <a:cs typeface="Menlo" charset="0"/>
+              </a:rPr>
+              <a:t>'send'</a:t>
+            </a:r>
+            <a:r>
+              <a:rPr lang="en-US" dirty="0">
+                <a:latin typeface="Menlo" charset="0"/>
+                <a:ea typeface="Menlo" charset="0"/>
+                <a:cs typeface="Menlo" charset="0"/>
+              </a:rPr>
+              <a:t>: </a:t>
+            </a:r>
+            <a:r>
+              <a:rPr lang="en-US" dirty="0" err="1">
+                <a:latin typeface="Menlo" charset="0"/>
+                <a:ea typeface="Menlo" charset="0"/>
+                <a:cs typeface="Menlo" charset="0"/>
+              </a:rPr>
+              <a:t>random.randint</a:t>
+            </a:r>
+            <a:r>
+              <a:rPr lang="en-US" dirty="0">
+                <a:latin typeface="Menlo" charset="0"/>
+                <a:ea typeface="Menlo" charset="0"/>
+                <a:cs typeface="Menlo" charset="0"/>
+              </a:rPr>
+              <a:t>(</a:t>
+            </a:r>
+            <a:r>
+              <a:rPr lang="en-US" dirty="0">
+                <a:solidFill>
+                  <a:srgbClr val="6897BB"/>
+                </a:solidFill>
+                <a:latin typeface="Menlo" charset="0"/>
+                <a:ea typeface="Menlo" charset="0"/>
+                <a:cs typeface="Menlo" charset="0"/>
+              </a:rPr>
+              <a:t>0</a:t>
+            </a:r>
+            <a:r>
+              <a:rPr lang="en-US" dirty="0">
+                <a:solidFill>
+                  <a:srgbClr val="CC7832"/>
+                </a:solidFill>
+                <a:latin typeface="Menlo" charset="0"/>
+                <a:ea typeface="Menlo" charset="0"/>
+                <a:cs typeface="Menlo" charset="0"/>
+              </a:rPr>
+              <a:t>, </a:t>
+            </a:r>
+            <a:r>
+              <a:rPr lang="en-US" dirty="0" err="1">
+                <a:latin typeface="Menlo" charset="0"/>
+                <a:ea typeface="Menlo" charset="0"/>
+                <a:cs typeface="Menlo" charset="0"/>
+              </a:rPr>
+              <a:t>Constants.endowment</a:t>
+            </a:r>
+            <a:r>
+              <a:rPr lang="en-US" dirty="0">
+                <a:latin typeface="Menlo" charset="0"/>
+                <a:ea typeface="Menlo" charset="0"/>
+                <a:cs typeface="Menlo" charset="0"/>
+              </a:rPr>
+              <a:t>)}</a:t>
+            </a:r>
+            <a:br>
+              <a:rPr lang="en-US" dirty="0">
+                <a:latin typeface="Menlo" charset="0"/>
+                <a:ea typeface="Menlo" charset="0"/>
+                <a:cs typeface="Menlo" charset="0"/>
+              </a:rPr>
+            </a:br>
+            <a:r>
+              <a:rPr lang="en-US" dirty="0">
+                <a:latin typeface="Menlo" charset="0"/>
+                <a:ea typeface="Menlo" charset="0"/>
+                <a:cs typeface="Menlo" charset="0"/>
+              </a:rPr>
+              <a:t>        </a:t>
+            </a:r>
+            <a:r>
+              <a:rPr lang="en-US" dirty="0">
+                <a:solidFill>
+                  <a:srgbClr val="CC7832"/>
+                </a:solidFill>
+                <a:latin typeface="Menlo" charset="0"/>
+                <a:ea typeface="Menlo" charset="0"/>
+                <a:cs typeface="Menlo" charset="0"/>
+              </a:rPr>
+              <a:t>else</a:t>
+            </a:r>
+            <a:r>
+              <a:rPr lang="en-US" dirty="0">
+                <a:latin typeface="Menlo" charset="0"/>
+                <a:ea typeface="Menlo" charset="0"/>
+                <a:cs typeface="Menlo" charset="0"/>
+              </a:rPr>
+              <a:t>:</a:t>
+            </a:r>
+            <a:br>
+              <a:rPr lang="en-US" dirty="0">
+                <a:latin typeface="Menlo" charset="0"/>
+                <a:ea typeface="Menlo" charset="0"/>
+                <a:cs typeface="Menlo" charset="0"/>
+              </a:rPr>
+            </a:br>
+            <a:r>
+              <a:rPr lang="en-US" dirty="0">
+                <a:latin typeface="Menlo" charset="0"/>
+                <a:ea typeface="Menlo" charset="0"/>
+                <a:cs typeface="Menlo" charset="0"/>
+              </a:rPr>
+              <a:t>            </a:t>
+            </a:r>
+            <a:r>
+              <a:rPr lang="en-US" dirty="0">
+                <a:solidFill>
+                  <a:srgbClr val="CC7832"/>
+                </a:solidFill>
+                <a:latin typeface="Menlo" charset="0"/>
+                <a:ea typeface="Menlo" charset="0"/>
+                <a:cs typeface="Menlo" charset="0"/>
+              </a:rPr>
+              <a:t>yield </a:t>
+            </a:r>
+            <a:r>
+              <a:rPr lang="en-US" dirty="0" err="1">
+                <a:latin typeface="Menlo" charset="0"/>
+                <a:ea typeface="Menlo" charset="0"/>
+                <a:cs typeface="Menlo" charset="0"/>
+              </a:rPr>
+              <a:t>SendBack</a:t>
+            </a:r>
+            <a:r>
+              <a:rPr lang="en-US" dirty="0">
+                <a:solidFill>
+                  <a:srgbClr val="CC7832"/>
+                </a:solidFill>
+                <a:latin typeface="Menlo" charset="0"/>
+                <a:ea typeface="Menlo" charset="0"/>
+                <a:cs typeface="Menlo" charset="0"/>
+              </a:rPr>
+              <a:t>, </a:t>
+            </a:r>
+            <a:r>
+              <a:rPr lang="en-US" dirty="0">
+                <a:latin typeface="Menlo" charset="0"/>
+                <a:ea typeface="Menlo" charset="0"/>
+                <a:cs typeface="Menlo" charset="0"/>
+              </a:rPr>
+              <a:t>{</a:t>
+            </a:r>
+            <a:r>
+              <a:rPr lang="en-US" dirty="0">
+                <a:solidFill>
+                  <a:srgbClr val="6A8759"/>
+                </a:solidFill>
+                <a:latin typeface="Menlo" charset="0"/>
+                <a:ea typeface="Menlo" charset="0"/>
+                <a:cs typeface="Menlo" charset="0"/>
+              </a:rPr>
+              <a:t>'</a:t>
+            </a:r>
+            <a:r>
+              <a:rPr lang="en-US" dirty="0" err="1">
+                <a:solidFill>
+                  <a:srgbClr val="6A8759"/>
+                </a:solidFill>
+                <a:latin typeface="Menlo" charset="0"/>
+                <a:ea typeface="Menlo" charset="0"/>
+                <a:cs typeface="Menlo" charset="0"/>
+              </a:rPr>
+              <a:t>send_back</a:t>
+            </a:r>
+            <a:r>
+              <a:rPr lang="en-US" dirty="0">
+                <a:solidFill>
+                  <a:srgbClr val="6A8759"/>
+                </a:solidFill>
+                <a:latin typeface="Menlo" charset="0"/>
+                <a:ea typeface="Menlo" charset="0"/>
+                <a:cs typeface="Menlo" charset="0"/>
+              </a:rPr>
+              <a:t>'</a:t>
+            </a:r>
+            <a:r>
+              <a:rPr lang="en-US" dirty="0">
+                <a:latin typeface="Menlo" charset="0"/>
+                <a:ea typeface="Menlo" charset="0"/>
+                <a:cs typeface="Menlo" charset="0"/>
+              </a:rPr>
+              <a:t>: </a:t>
+            </a:r>
+            <a:r>
+              <a:rPr lang="en-US" dirty="0" err="1">
+                <a:latin typeface="Menlo" charset="0"/>
+                <a:ea typeface="Menlo" charset="0"/>
+                <a:cs typeface="Menlo" charset="0"/>
+              </a:rPr>
+              <a:t>random.randint</a:t>
+            </a:r>
+            <a:r>
+              <a:rPr lang="en-US" dirty="0">
+                <a:latin typeface="Menlo" charset="0"/>
+                <a:ea typeface="Menlo" charset="0"/>
+                <a:cs typeface="Menlo" charset="0"/>
+              </a:rPr>
+              <a:t>(</a:t>
+            </a:r>
+            <a:r>
+              <a:rPr lang="en-US" dirty="0">
+                <a:solidFill>
+                  <a:srgbClr val="6897BB"/>
+                </a:solidFill>
+                <a:latin typeface="Menlo" charset="0"/>
+                <a:ea typeface="Menlo" charset="0"/>
+                <a:cs typeface="Menlo" charset="0"/>
+              </a:rPr>
+              <a:t>0</a:t>
+            </a:r>
+            <a:r>
+              <a:rPr lang="en-US" dirty="0">
+                <a:solidFill>
+                  <a:srgbClr val="CC7832"/>
+                </a:solidFill>
+                <a:latin typeface="Menlo" charset="0"/>
+                <a:ea typeface="Menlo" charset="0"/>
+                <a:cs typeface="Menlo" charset="0"/>
+              </a:rPr>
+              <a:t>, </a:t>
+            </a:r>
+            <a:r>
+              <a:rPr lang="en-US" dirty="0" err="1">
+                <a:solidFill>
+                  <a:srgbClr val="94558D"/>
+                </a:solidFill>
+                <a:latin typeface="Menlo" charset="0"/>
+                <a:ea typeface="Menlo" charset="0"/>
+                <a:cs typeface="Menlo" charset="0"/>
+              </a:rPr>
+              <a:t>self</a:t>
+            </a:r>
+            <a:r>
+              <a:rPr lang="en-US" dirty="0" err="1">
+                <a:latin typeface="Menlo" charset="0"/>
+                <a:ea typeface="Menlo" charset="0"/>
+                <a:cs typeface="Menlo" charset="0"/>
+              </a:rPr>
+              <a:t>.group.send</a:t>
+            </a:r>
+            <a:r>
+              <a:rPr lang="en-US" dirty="0">
+                <a:latin typeface="Menlo" charset="0"/>
+                <a:ea typeface="Menlo" charset="0"/>
+                <a:cs typeface="Menlo" charset="0"/>
+              </a:rPr>
+              <a:t>*</a:t>
+            </a:r>
+            <a:r>
+              <a:rPr lang="en-US" dirty="0" err="1">
+                <a:latin typeface="Menlo" charset="0"/>
+                <a:ea typeface="Menlo" charset="0"/>
+                <a:cs typeface="Menlo" charset="0"/>
+              </a:rPr>
+              <a:t>Constants.coef</a:t>
+            </a:r>
+            <a:r>
+              <a:rPr lang="en-US" dirty="0">
+                <a:latin typeface="Menlo" charset="0"/>
+                <a:ea typeface="Menlo" charset="0"/>
+                <a:cs typeface="Menlo" charset="0"/>
+              </a:rPr>
+              <a:t>)}</a:t>
+            </a:r>
+            <a:br>
+              <a:rPr lang="en-US" dirty="0">
+                <a:latin typeface="Menlo" charset="0"/>
+                <a:ea typeface="Menlo" charset="0"/>
+                <a:cs typeface="Menlo" charset="0"/>
+              </a:rPr>
+            </a:br>
+            <a:r>
+              <a:rPr lang="en-US" dirty="0">
+                <a:latin typeface="Menlo" charset="0"/>
+                <a:ea typeface="Menlo" charset="0"/>
+                <a:cs typeface="Menlo" charset="0"/>
+              </a:rPr>
+              <a:t>        </a:t>
+            </a:r>
+            <a:r>
+              <a:rPr lang="en-US" dirty="0">
+                <a:solidFill>
+                  <a:srgbClr val="CC7832"/>
+                </a:solidFill>
+                <a:latin typeface="Menlo" charset="0"/>
+                <a:ea typeface="Menlo" charset="0"/>
+                <a:cs typeface="Menlo" charset="0"/>
+              </a:rPr>
+              <a:t>yield </a:t>
+            </a:r>
+            <a:r>
+              <a:rPr lang="en-US" dirty="0">
+                <a:latin typeface="Menlo" charset="0"/>
+                <a:ea typeface="Menlo" charset="0"/>
+                <a:cs typeface="Menlo" charset="0"/>
+              </a:rPr>
+              <a:t>Results</a:t>
+            </a:r>
+            <a:br>
+              <a:rPr lang="en-US" dirty="0">
+                <a:latin typeface="Menlo" charset="0"/>
+                <a:ea typeface="Menlo" charset="0"/>
+                <a:cs typeface="Menlo" charset="0"/>
+              </a:rPr>
+            </a:br>
+            <a:endParaRPr lang="en-US" dirty="0">
+              <a:latin typeface="Menlo" charset="0"/>
+              <a:ea typeface="Menlo" charset="0"/>
+              <a:cs typeface="Menlo" charset="0"/>
+            </a:endParaRPr>
+          </a:p>
+        </p:txBody>
+      </p:sp>
+    </p:spTree>
+    <p:extLst>
+      <p:ext uri="{BB962C8B-B14F-4D97-AF65-F5344CB8AC3E}">
+        <p14:creationId xmlns:p14="http://schemas.microsoft.com/office/powerpoint/2010/main" val="590245479"/>
       </p:ext>
     </p:extLst>
   </p:cSld>
